--- a/Angular框架详解.pptx
+++ b/Angular框架详解.pptx
@@ -5808,19 +5808,19 @@
     </dgm:pt>
   </dgm:ptLst>
   <dgm:cxnLst>
-    <dgm:cxn modelId="{4997AB2D-5959-40BA-BAFD-DA8D6E57368E}" type="presOf" srcId="{C31833D9-18C5-4192-A376-3E77BFC14CB8}" destId="{47231572-697A-49F6-8AD2-015D8F9BE216}" srcOrd="0" destOrd="0" presId="urn:microsoft.com/office/officeart/2005/8/layout/vList2"/>
+    <dgm:cxn modelId="{E859E9A4-CD62-42A9-A380-68928EE9B85F}" srcId="{85DB367B-0F9D-4065-8B4B-E2CD9B89A66E}" destId="{C31833D9-18C5-4192-A376-3E77BFC14CB8}" srcOrd="0" destOrd="0" parTransId="{24E950E2-1B2C-4A6B-97DE-B918748100CB}" sibTransId="{34CB6710-5D05-455D-9B9B-DE6A6D375177}"/>
+    <dgm:cxn modelId="{2B438050-6EF7-490C-BC85-B07F8E2E38DE}" type="presOf" srcId="{75496F8F-0D20-48EA-98DA-F3918F083E6B}" destId="{BACAAF21-47FC-493F-9347-272A9ADEB9F2}" srcOrd="0" destOrd="0" presId="urn:microsoft.com/office/officeart/2005/8/layout/vList2"/>
+    <dgm:cxn modelId="{A751DD00-E529-41E8-847C-B324DBF8A377}" type="presOf" srcId="{B31E78A0-47AA-4F1F-B142-CA11AF40A9AB}" destId="{38B482E9-7FFF-4A1D-A008-E2FECF08D637}" srcOrd="0" destOrd="0" presId="urn:microsoft.com/office/officeart/2005/8/layout/vList2"/>
     <dgm:cxn modelId="{0D52D2D5-4321-46B0-8092-2619C447DE5A}" srcId="{75496F8F-0D20-48EA-98DA-F3918F083E6B}" destId="{85DB367B-0F9D-4065-8B4B-E2CD9B89A66E}" srcOrd="1" destOrd="0" parTransId="{C7E54A7E-3BA8-448D-833F-51428AC2398B}" sibTransId="{3DAB6EB7-9B6F-4E4A-88CD-44FBE9A8D031}"/>
     <dgm:cxn modelId="{ECF642C5-4BA9-4742-B52B-AC2EE192C3EC}" type="presOf" srcId="{6D90F51C-15A8-471F-9ADB-5ACC19EB428F}" destId="{A29A0422-A024-4900-9961-237897D2BAAB}" srcOrd="0" destOrd="0" presId="urn:microsoft.com/office/officeart/2005/8/layout/vList2"/>
-    <dgm:cxn modelId="{2B438050-6EF7-490C-BC85-B07F8E2E38DE}" type="presOf" srcId="{75496F8F-0D20-48EA-98DA-F3918F083E6B}" destId="{BACAAF21-47FC-493F-9347-272A9ADEB9F2}" srcOrd="0" destOrd="0" presId="urn:microsoft.com/office/officeart/2005/8/layout/vList2"/>
-    <dgm:cxn modelId="{A751DD00-E529-41E8-847C-B324DBF8A377}" type="presOf" srcId="{B31E78A0-47AA-4F1F-B142-CA11AF40A9AB}" destId="{38B482E9-7FFF-4A1D-A008-E2FECF08D637}" srcOrd="0" destOrd="0" presId="urn:microsoft.com/office/officeart/2005/8/layout/vList2"/>
+    <dgm:cxn modelId="{8CEBA73E-BEDB-42C3-92AD-C4BAB7BC78EA}" type="presOf" srcId="{7C01EFE0-8C21-4B2E-A200-0E448672DEE9}" destId="{7FEC8E52-E47F-4B3B-A669-2DB6E87BF654}" srcOrd="0" destOrd="0" presId="urn:microsoft.com/office/officeart/2005/8/layout/vList2"/>
+    <dgm:cxn modelId="{CCE9CDE5-CC82-444C-BB5A-297F4BB76068}" srcId="{85DB367B-0F9D-4065-8B4B-E2CD9B89A66E}" destId="{4D506867-BCDA-4E72-9662-02A84BE749B4}" srcOrd="1" destOrd="0" parTransId="{FEA784FA-06F4-4FFE-A613-3AF3F0FB0465}" sibTransId="{820FFCE8-29AE-4430-A567-64EB1EFC69B8}"/>
     <dgm:cxn modelId="{3FE70FC0-1CDD-4C3D-8BC8-2689A3BE2649}" type="presOf" srcId="{85DB367B-0F9D-4065-8B4B-E2CD9B89A66E}" destId="{4E530AC5-99AE-419A-BFCE-20D7DD917EE7}" srcOrd="0" destOrd="0" presId="urn:microsoft.com/office/officeart/2005/8/layout/vList2"/>
-    <dgm:cxn modelId="{8CEBA73E-BEDB-42C3-92AD-C4BAB7BC78EA}" type="presOf" srcId="{7C01EFE0-8C21-4B2E-A200-0E448672DEE9}" destId="{7FEC8E52-E47F-4B3B-A669-2DB6E87BF654}" srcOrd="0" destOrd="0" presId="urn:microsoft.com/office/officeart/2005/8/layout/vList2"/>
+    <dgm:cxn modelId="{4997AB2D-5959-40BA-BAFD-DA8D6E57368E}" type="presOf" srcId="{C31833D9-18C5-4192-A376-3E77BFC14CB8}" destId="{47231572-697A-49F6-8AD2-015D8F9BE216}" srcOrd="0" destOrd="0" presId="urn:microsoft.com/office/officeart/2005/8/layout/vList2"/>
+    <dgm:cxn modelId="{5D8055AF-804B-4043-A4A5-9B7FCF39219A}" srcId="{75496F8F-0D20-48EA-98DA-F3918F083E6B}" destId="{7C01EFE0-8C21-4B2E-A200-0E448672DEE9}" srcOrd="2" destOrd="0" parTransId="{2152FE52-A3C4-420D-8A0C-FF063A3FCBD6}" sibTransId="{9394D870-E86B-4FC3-9899-71C49E2209B6}"/>
+    <dgm:cxn modelId="{11225448-E052-4F18-A0A5-6662E7AB6769}" srcId="{75496F8F-0D20-48EA-98DA-F3918F083E6B}" destId="{B31E78A0-47AA-4F1F-B142-CA11AF40A9AB}" srcOrd="0" destOrd="0" parTransId="{9322502E-041F-40B0-B14B-C00E965F6383}" sibTransId="{6D71B061-30E5-43FD-BDC7-414CFBD63C3E}"/>
     <dgm:cxn modelId="{E7FC5C48-21B8-41DB-A568-EE0D1F7CA421}" type="presOf" srcId="{4D506867-BCDA-4E72-9662-02A84BE749B4}" destId="{47231572-697A-49F6-8AD2-015D8F9BE216}" srcOrd="0" destOrd="1" presId="urn:microsoft.com/office/officeart/2005/8/layout/vList2"/>
-    <dgm:cxn modelId="{CCE9CDE5-CC82-444C-BB5A-297F4BB76068}" srcId="{85DB367B-0F9D-4065-8B4B-E2CD9B89A66E}" destId="{4D506867-BCDA-4E72-9662-02A84BE749B4}" srcOrd="1" destOrd="0" parTransId="{FEA784FA-06F4-4FFE-A613-3AF3F0FB0465}" sibTransId="{820FFCE8-29AE-4430-A567-64EB1EFC69B8}"/>
-    <dgm:cxn modelId="{5D8055AF-804B-4043-A4A5-9B7FCF39219A}" srcId="{75496F8F-0D20-48EA-98DA-F3918F083E6B}" destId="{7C01EFE0-8C21-4B2E-A200-0E448672DEE9}" srcOrd="2" destOrd="0" parTransId="{2152FE52-A3C4-420D-8A0C-FF063A3FCBD6}" sibTransId="{9394D870-E86B-4FC3-9899-71C49E2209B6}"/>
-    <dgm:cxn modelId="{E859E9A4-CD62-42A9-A380-68928EE9B85F}" srcId="{85DB367B-0F9D-4065-8B4B-E2CD9B89A66E}" destId="{C31833D9-18C5-4192-A376-3E77BFC14CB8}" srcOrd="0" destOrd="0" parTransId="{24E950E2-1B2C-4A6B-97DE-B918748100CB}" sibTransId="{34CB6710-5D05-455D-9B9B-DE6A6D375177}"/>
     <dgm:cxn modelId="{A2717CBA-5FDC-43A3-88CD-233E1B1F8DE7}" srcId="{75496F8F-0D20-48EA-98DA-F3918F083E6B}" destId="{6D90F51C-15A8-471F-9ADB-5ACC19EB428F}" srcOrd="3" destOrd="0" parTransId="{62EE00AD-E8E7-497B-A980-72142D3C317C}" sibTransId="{1358D783-7A99-41DE-A736-0BA8CB52715E}"/>
-    <dgm:cxn modelId="{11225448-E052-4F18-A0A5-6662E7AB6769}" srcId="{75496F8F-0D20-48EA-98DA-F3918F083E6B}" destId="{B31E78A0-47AA-4F1F-B142-CA11AF40A9AB}" srcOrd="0" destOrd="0" parTransId="{9322502E-041F-40B0-B14B-C00E965F6383}" sibTransId="{6D71B061-30E5-43FD-BDC7-414CFBD63C3E}"/>
     <dgm:cxn modelId="{40A166B2-17CD-414A-9A8E-AA3D2A1F6F7A}" type="presParOf" srcId="{BACAAF21-47FC-493F-9347-272A9ADEB9F2}" destId="{38B482E9-7FFF-4A1D-A008-E2FECF08D637}" srcOrd="0" destOrd="0" presId="urn:microsoft.com/office/officeart/2005/8/layout/vList2"/>
     <dgm:cxn modelId="{25461868-A71B-4A28-AF74-C5F8A2C97494}" type="presParOf" srcId="{BACAAF21-47FC-493F-9347-272A9ADEB9F2}" destId="{3186F83F-AC0A-4F08-A10C-F268BD4140F7}" srcOrd="1" destOrd="0" presId="urn:microsoft.com/office/officeart/2005/8/layout/vList2"/>
     <dgm:cxn modelId="{81779DBC-EFA8-4B47-86B2-EDB05171721E}" type="presParOf" srcId="{BACAAF21-47FC-493F-9347-272A9ADEB9F2}" destId="{4E530AC5-99AE-419A-BFCE-20D7DD917EE7}" srcOrd="2" destOrd="0" presId="urn:microsoft.com/office/officeart/2005/8/layout/vList2"/>
@@ -6169,6 +6169,13 @@
         </dgm:presLayoutVars>
       </dgm:prSet>
       <dgm:spPr/>
+      <dgm:t>
+        <a:bodyPr/>
+        <a:lstStyle/>
+        <a:p>
+          <a:endParaRPr lang="zh-CN" altLang="en-US"/>
+        </a:p>
+      </dgm:t>
     </dgm:pt>
     <dgm:pt modelId="{F28FEE0A-8545-4270-9997-7AC1469C4A3B}" type="pres">
       <dgm:prSet presAssocID="{0912383B-6194-46DF-97D9-FBB152B83B85}" presName="parentLin" presStyleCnt="0"/>
@@ -6177,6 +6184,13 @@
     <dgm:pt modelId="{6A3A0056-B3D0-44B8-8E00-DA8FB6AACB33}" type="pres">
       <dgm:prSet presAssocID="{0912383B-6194-46DF-97D9-FBB152B83B85}" presName="parentLeftMargin" presStyleLbl="node1" presStyleIdx="0" presStyleCnt="3"/>
       <dgm:spPr/>
+      <dgm:t>
+        <a:bodyPr/>
+        <a:lstStyle/>
+        <a:p>
+          <a:endParaRPr lang="zh-CN" altLang="en-US"/>
+        </a:p>
+      </dgm:t>
     </dgm:pt>
     <dgm:pt modelId="{86539809-B96C-48A8-96C2-EBF5E0D5F78C}" type="pres">
       <dgm:prSet presAssocID="{0912383B-6194-46DF-97D9-FBB152B83B85}" presName="parentText" presStyleLbl="node1" presStyleIdx="0" presStyleCnt="3">
@@ -6186,6 +6200,13 @@
         </dgm:presLayoutVars>
       </dgm:prSet>
       <dgm:spPr/>
+      <dgm:t>
+        <a:bodyPr/>
+        <a:lstStyle/>
+        <a:p>
+          <a:endParaRPr lang="zh-CN" altLang="en-US"/>
+        </a:p>
+      </dgm:t>
     </dgm:pt>
     <dgm:pt modelId="{BB860DB4-0C90-4C61-8AE7-A8DFC00E303D}" type="pres">
       <dgm:prSet presAssocID="{0912383B-6194-46DF-97D9-FBB152B83B85}" presName="negativeSpace" presStyleCnt="0"/>
@@ -6217,6 +6238,13 @@
     <dgm:pt modelId="{9232C242-0CD8-4313-87EF-A01A79F55C9E}" type="pres">
       <dgm:prSet presAssocID="{5D854001-104A-4FAF-B998-8E988406EEEF}" presName="parentLeftMargin" presStyleLbl="node1" presStyleIdx="0" presStyleCnt="3"/>
       <dgm:spPr/>
+      <dgm:t>
+        <a:bodyPr/>
+        <a:lstStyle/>
+        <a:p>
+          <a:endParaRPr lang="zh-CN" altLang="en-US"/>
+        </a:p>
+      </dgm:t>
     </dgm:pt>
     <dgm:pt modelId="{502BAE31-FE30-4289-A884-6B4870848F81}" type="pres">
       <dgm:prSet presAssocID="{5D854001-104A-4FAF-B998-8E988406EEEF}" presName="parentText" presStyleLbl="node1" presStyleIdx="1" presStyleCnt="3">
@@ -6226,6 +6254,13 @@
         </dgm:presLayoutVars>
       </dgm:prSet>
       <dgm:spPr/>
+      <dgm:t>
+        <a:bodyPr/>
+        <a:lstStyle/>
+        <a:p>
+          <a:endParaRPr lang="zh-CN" altLang="en-US"/>
+        </a:p>
+      </dgm:t>
     </dgm:pt>
     <dgm:pt modelId="{49A84919-6DBB-4D18-9C98-323E3DBA691F}" type="pres">
       <dgm:prSet presAssocID="{5D854001-104A-4FAF-B998-8E988406EEEF}" presName="negativeSpace" presStyleCnt="0"/>
@@ -6257,6 +6292,13 @@
     <dgm:pt modelId="{FB7D570B-3C10-46B7-BB4D-B21456090EAE}" type="pres">
       <dgm:prSet presAssocID="{F59921CF-7778-4D7E-8C83-A5716352F206}" presName="parentLeftMargin" presStyleLbl="node1" presStyleIdx="1" presStyleCnt="3"/>
       <dgm:spPr/>
+      <dgm:t>
+        <a:bodyPr/>
+        <a:lstStyle/>
+        <a:p>
+          <a:endParaRPr lang="zh-CN" altLang="en-US"/>
+        </a:p>
+      </dgm:t>
     </dgm:pt>
     <dgm:pt modelId="{39E7FEAE-564D-4CD5-B4EF-61F85E72211B}" type="pres">
       <dgm:prSet presAssocID="{F59921CF-7778-4D7E-8C83-A5716352F206}" presName="parentText" presStyleLbl="node1" presStyleIdx="2" presStyleCnt="3">
@@ -6266,6 +6308,13 @@
         </dgm:presLayoutVars>
       </dgm:prSet>
       <dgm:spPr/>
+      <dgm:t>
+        <a:bodyPr/>
+        <a:lstStyle/>
+        <a:p>
+          <a:endParaRPr lang="zh-CN" altLang="en-US"/>
+        </a:p>
+      </dgm:t>
     </dgm:pt>
     <dgm:pt modelId="{8BD6D4F8-6C92-460F-9346-11711266B6A7}" type="pres">
       <dgm:prSet presAssocID="{F59921CF-7778-4D7E-8C83-A5716352F206}" presName="negativeSpace" presStyleCnt="0"/>
@@ -6288,8 +6337,8 @@
     </dgm:pt>
   </dgm:ptLst>
   <dgm:cxnLst>
+    <dgm:cxn modelId="{641BB746-AEDD-475E-A596-E2A2C0590EA7}" srcId="{5D854001-104A-4FAF-B998-8E988406EEEF}" destId="{388FC491-D160-4AAE-B868-59CAF94D37FD}" srcOrd="0" destOrd="0" parTransId="{A44830A3-4A72-474E-8B48-B65C12BF7566}" sibTransId="{6A1A2E73-B1D2-40E7-A0F5-F1076151D59F}"/>
     <dgm:cxn modelId="{E376C594-DB06-40BB-B96C-E7037C0F341C}" srcId="{0912383B-6194-46DF-97D9-FBB152B83B85}" destId="{EFD44C54-F29D-4C7B-BAD5-43B1BC7DCADC}" srcOrd="1" destOrd="0" parTransId="{02B0D6B1-E7B2-421A-B0E0-038FCDAAF994}" sibTransId="{0E20C7A5-7DD1-497B-80AE-6822820F5A15}"/>
-    <dgm:cxn modelId="{641BB746-AEDD-475E-A596-E2A2C0590EA7}" srcId="{5D854001-104A-4FAF-B998-8E988406EEEF}" destId="{388FC491-D160-4AAE-B868-59CAF94D37FD}" srcOrd="0" destOrd="0" parTransId="{A44830A3-4A72-474E-8B48-B65C12BF7566}" sibTransId="{6A1A2E73-B1D2-40E7-A0F5-F1076151D59F}"/>
     <dgm:cxn modelId="{85EA9A34-DBEF-4250-BC97-4ABE5E3B77BE}" type="presOf" srcId="{388FC491-D160-4AAE-B868-59CAF94D37FD}" destId="{DD884A21-C89C-4595-B03B-23950D1BCA11}" srcOrd="0" destOrd="0" presId="urn:microsoft.com/office/officeart/2005/8/layout/list1"/>
     <dgm:cxn modelId="{8F71E378-67B2-486B-B22D-56E1A2EAE246}" type="presOf" srcId="{5D854001-104A-4FAF-B998-8E988406EEEF}" destId="{9232C242-0CD8-4313-87EF-A01A79F55C9E}" srcOrd="0" destOrd="0" presId="urn:microsoft.com/office/officeart/2005/8/layout/list1"/>
     <dgm:cxn modelId="{8396342C-8373-4120-8983-FC05477E3DAE}" srcId="{F59921CF-7778-4D7E-8C83-A5716352F206}" destId="{E690309C-9604-4A2D-BE38-D92D2D8A6576}" srcOrd="0" destOrd="0" parTransId="{0508B8D6-E168-4B69-8777-921CBE3B138B}" sibTransId="{E3CEF899-9326-4447-BC58-36EB2B188D9F}"/>
@@ -6304,8 +6353,8 @@
     <dgm:cxn modelId="{73EFE7CB-F61E-4E40-8F9B-9765702E9937}" srcId="{0912383B-6194-46DF-97D9-FBB152B83B85}" destId="{77A46018-2A1C-4E01-868E-0384E0DD0EA8}" srcOrd="0" destOrd="0" parTransId="{0F48C914-5CC6-4CF0-9D69-4DB78870A9A3}" sibTransId="{5FE5845C-9F28-4185-8610-91A8A22F2653}"/>
     <dgm:cxn modelId="{DE5048B2-5A77-4BD2-91B0-2B05C149C060}" srcId="{327FAF67-3BCF-4644-B843-2081D241D801}" destId="{F59921CF-7778-4D7E-8C83-A5716352F206}" srcOrd="2" destOrd="0" parTransId="{AD48357E-9A21-40AB-81BD-E0B0E0B2D4C7}" sibTransId="{0CD7C913-D540-4BD3-8E7C-F2E3EA37BAF0}"/>
     <dgm:cxn modelId="{29546DD0-AB67-4A44-BE2F-B03C5F906C3A}" srcId="{327FAF67-3BCF-4644-B843-2081D241D801}" destId="{5D854001-104A-4FAF-B998-8E988406EEEF}" srcOrd="1" destOrd="0" parTransId="{E5297605-78F6-4D5C-90A2-1B3328B4276A}" sibTransId="{45E4FD6E-6A09-48D1-9E08-669265A7EB84}"/>
+    <dgm:cxn modelId="{2E47DA58-9CC7-4846-905E-782C03E372D7}" type="presOf" srcId="{F59921CF-7778-4D7E-8C83-A5716352F206}" destId="{39E7FEAE-564D-4CD5-B4EF-61F85E72211B}" srcOrd="1" destOrd="0" presId="urn:microsoft.com/office/officeart/2005/8/layout/list1"/>
     <dgm:cxn modelId="{7402AA61-71A2-434B-9B16-4CD711DEA75E}" type="presOf" srcId="{EFD44C54-F29D-4C7B-BAD5-43B1BC7DCADC}" destId="{88AE35D3-685D-4FE5-8EB0-D9B325031255}" srcOrd="0" destOrd="1" presId="urn:microsoft.com/office/officeart/2005/8/layout/list1"/>
-    <dgm:cxn modelId="{2E47DA58-9CC7-4846-905E-782C03E372D7}" type="presOf" srcId="{F59921CF-7778-4D7E-8C83-A5716352F206}" destId="{39E7FEAE-564D-4CD5-B4EF-61F85E72211B}" srcOrd="1" destOrd="0" presId="urn:microsoft.com/office/officeart/2005/8/layout/list1"/>
     <dgm:cxn modelId="{D48FEDB0-388F-463D-9F75-18595A48B2F8}" type="presParOf" srcId="{203718A0-6F65-450F-AEFD-7BD8B4C7899A}" destId="{F28FEE0A-8545-4270-9997-7AC1469C4A3B}" srcOrd="0" destOrd="0" presId="urn:microsoft.com/office/officeart/2005/8/layout/list1"/>
     <dgm:cxn modelId="{0E96B479-9852-41B2-90A6-EE987D1E9184}" type="presParOf" srcId="{F28FEE0A-8545-4270-9997-7AC1469C4A3B}" destId="{6A3A0056-B3D0-44B8-8E00-DA8FB6AACB33}" srcOrd="0" destOrd="0" presId="urn:microsoft.com/office/officeart/2005/8/layout/list1"/>
     <dgm:cxn modelId="{25849617-3B77-4136-9B61-97B0D6E8EC12}" type="presParOf" srcId="{F28FEE0A-8545-4270-9997-7AC1469C4A3B}" destId="{86539809-B96C-48A8-96C2-EBF5E0D5F78C}" srcOrd="1" destOrd="0" presId="urn:microsoft.com/office/officeart/2005/8/layout/list1"/>
@@ -6517,6 +6566,13 @@
         </dgm:presLayoutVars>
       </dgm:prSet>
       <dgm:spPr/>
+      <dgm:t>
+        <a:bodyPr/>
+        <a:lstStyle/>
+        <a:p>
+          <a:endParaRPr lang="zh-CN" altLang="en-US"/>
+        </a:p>
+      </dgm:t>
     </dgm:pt>
     <dgm:pt modelId="{B35FAEBC-964A-40B7-B2A1-F4E7313BB6CF}" type="pres">
       <dgm:prSet presAssocID="{89061DAC-6AEB-4867-BA6F-2E04ECFD80EF}" presName="Name1" presStyleCnt="0"/>
@@ -6533,6 +6589,13 @@
     <dgm:pt modelId="{74529463-B1BE-4AA8-A8F4-7002B12FA924}" type="pres">
       <dgm:prSet presAssocID="{89061DAC-6AEB-4867-BA6F-2E04ECFD80EF}" presName="conn" presStyleLbl="parChTrans1D2" presStyleIdx="0" presStyleCnt="1"/>
       <dgm:spPr/>
+      <dgm:t>
+        <a:bodyPr/>
+        <a:lstStyle/>
+        <a:p>
+          <a:endParaRPr lang="zh-CN" altLang="en-US"/>
+        </a:p>
+      </dgm:t>
     </dgm:pt>
     <dgm:pt modelId="{FDF38069-8302-48EE-AC95-690351A158A8}" type="pres">
       <dgm:prSet presAssocID="{89061DAC-6AEB-4867-BA6F-2E04ECFD80EF}" presName="extraNode" presStyleLbl="node1" presStyleIdx="0" presStyleCnt="4"/>
@@ -6572,6 +6635,13 @@
         </dgm:presLayoutVars>
       </dgm:prSet>
       <dgm:spPr/>
+      <dgm:t>
+        <a:bodyPr/>
+        <a:lstStyle/>
+        <a:p>
+          <a:endParaRPr lang="zh-CN" altLang="en-US"/>
+        </a:p>
+      </dgm:t>
     </dgm:pt>
     <dgm:pt modelId="{F0F13B94-9245-42F5-BBCD-A563A5985AF5}" type="pres">
       <dgm:prSet presAssocID="{D965B1D0-761B-4817-99C7-BD031E819CB3}" presName="accent_2" presStyleCnt="0"/>
@@ -6588,6 +6658,13 @@
         </dgm:presLayoutVars>
       </dgm:prSet>
       <dgm:spPr/>
+      <dgm:t>
+        <a:bodyPr/>
+        <a:lstStyle/>
+        <a:p>
+          <a:endParaRPr lang="zh-CN" altLang="en-US"/>
+        </a:p>
+      </dgm:t>
     </dgm:pt>
     <dgm:pt modelId="{B925CB4C-1C06-4524-A387-13B5E41AA2D9}" type="pres">
       <dgm:prSet presAssocID="{AFD4062D-FCDE-4595-BF19-802F6E942A6D}" presName="accent_3" presStyleCnt="0"/>
@@ -6622,16 +6699,16 @@
     </dgm:pt>
   </dgm:ptLst>
   <dgm:cxnLst>
+    <dgm:cxn modelId="{9FAF4127-EF67-467F-B816-02ADF3BBEE6A}" type="presOf" srcId="{DC418E71-01B5-4613-BFD2-A99A71FD0633}" destId="{C0D577EC-5CB5-48D1-85D7-07E99FCD28CB}" srcOrd="0" destOrd="0" presId="urn:microsoft.com/office/officeart/2008/layout/VerticalCurvedList"/>
+    <dgm:cxn modelId="{D43A005D-A5C7-4C14-AE81-718B2C0B0AD0}" type="presOf" srcId="{C8BF313D-B171-4411-8E34-6276AABAFB7F}" destId="{7A26735A-9056-4AEC-A0A5-4D5F01A9A06A}" srcOrd="0" destOrd="0" presId="urn:microsoft.com/office/officeart/2008/layout/VerticalCurvedList"/>
+    <dgm:cxn modelId="{8253E6C9-563F-4AF1-872A-EBB1C0B39F35}" srcId="{89061DAC-6AEB-4867-BA6F-2E04ECFD80EF}" destId="{DC418E71-01B5-4613-BFD2-A99A71FD0633}" srcOrd="0" destOrd="0" parTransId="{C97CB3E1-0BAA-4F21-9154-B2D68717E176}" sibTransId="{9C037213-F107-4194-ABFE-F28E8B0B4585}"/>
+    <dgm:cxn modelId="{7D10A6F8-1259-48EC-B5BE-2AD90EA7C2E4}" type="presOf" srcId="{9C037213-F107-4194-ABFE-F28E8B0B4585}" destId="{74529463-B1BE-4AA8-A8F4-7002B12FA924}" srcOrd="0" destOrd="0" presId="urn:microsoft.com/office/officeart/2008/layout/VerticalCurvedList"/>
+    <dgm:cxn modelId="{FB163CFC-0358-4549-831C-5ECD9140EA71}" srcId="{89061DAC-6AEB-4867-BA6F-2E04ECFD80EF}" destId="{C8BF313D-B171-4411-8E34-6276AABAFB7F}" srcOrd="3" destOrd="0" parTransId="{F7E6362E-DCAA-45A8-B307-22981C73B137}" sibTransId="{38DD322F-B9CE-45EB-BB50-F259B8ED0AF5}"/>
+    <dgm:cxn modelId="{7C6567BC-4D03-4730-B045-6580263292C6}" srcId="{89061DAC-6AEB-4867-BA6F-2E04ECFD80EF}" destId="{AFD4062D-FCDE-4595-BF19-802F6E942A6D}" srcOrd="2" destOrd="0" parTransId="{2676CAF9-036E-4E34-AE36-1DC8B7C4925F}" sibTransId="{803EB7F9-E2B8-42F6-BB5B-855C072ADCDE}"/>
     <dgm:cxn modelId="{A9227DC3-3824-4036-871A-6FCAFBD5457E}" type="presOf" srcId="{D965B1D0-761B-4817-99C7-BD031E819CB3}" destId="{542F2F79-45C6-408C-8F84-B44CB079A217}" srcOrd="0" destOrd="0" presId="urn:microsoft.com/office/officeart/2008/layout/VerticalCurvedList"/>
-    <dgm:cxn modelId="{8253E6C9-563F-4AF1-872A-EBB1C0B39F35}" srcId="{89061DAC-6AEB-4867-BA6F-2E04ECFD80EF}" destId="{DC418E71-01B5-4613-BFD2-A99A71FD0633}" srcOrd="0" destOrd="0" parTransId="{C97CB3E1-0BAA-4F21-9154-B2D68717E176}" sibTransId="{9C037213-F107-4194-ABFE-F28E8B0B4585}"/>
-    <dgm:cxn modelId="{FB163CFC-0358-4549-831C-5ECD9140EA71}" srcId="{89061DAC-6AEB-4867-BA6F-2E04ECFD80EF}" destId="{C8BF313D-B171-4411-8E34-6276AABAFB7F}" srcOrd="3" destOrd="0" parTransId="{F7E6362E-DCAA-45A8-B307-22981C73B137}" sibTransId="{38DD322F-B9CE-45EB-BB50-F259B8ED0AF5}"/>
+    <dgm:cxn modelId="{E4C5BCC9-E7D9-49E2-B571-ED70CEA9F7F6}" srcId="{89061DAC-6AEB-4867-BA6F-2E04ECFD80EF}" destId="{D965B1D0-761B-4817-99C7-BD031E819CB3}" srcOrd="1" destOrd="0" parTransId="{954101BD-EB7F-496B-B907-AE1333370A49}" sibTransId="{3E3796D4-14D5-4F44-BF34-9D15B6CF2DDB}"/>
     <dgm:cxn modelId="{F955CC8A-FC0A-479D-B54C-04F4DFF07AE7}" type="presOf" srcId="{89061DAC-6AEB-4867-BA6F-2E04ECFD80EF}" destId="{3D948533-E727-4C6B-A896-B72D1594E167}" srcOrd="0" destOrd="0" presId="urn:microsoft.com/office/officeart/2008/layout/VerticalCurvedList"/>
-    <dgm:cxn modelId="{9FAF4127-EF67-467F-B816-02ADF3BBEE6A}" type="presOf" srcId="{DC418E71-01B5-4613-BFD2-A99A71FD0633}" destId="{C0D577EC-5CB5-48D1-85D7-07E99FCD28CB}" srcOrd="0" destOrd="0" presId="urn:microsoft.com/office/officeart/2008/layout/VerticalCurvedList"/>
     <dgm:cxn modelId="{6D650314-7AF0-4C85-8A3E-351454E91FAA}" type="presOf" srcId="{AFD4062D-FCDE-4595-BF19-802F6E942A6D}" destId="{7D89D672-1F03-4F0F-A46E-9A22D8E1CBB4}" srcOrd="0" destOrd="0" presId="urn:microsoft.com/office/officeart/2008/layout/VerticalCurvedList"/>
-    <dgm:cxn modelId="{E4C5BCC9-E7D9-49E2-B571-ED70CEA9F7F6}" srcId="{89061DAC-6AEB-4867-BA6F-2E04ECFD80EF}" destId="{D965B1D0-761B-4817-99C7-BD031E819CB3}" srcOrd="1" destOrd="0" parTransId="{954101BD-EB7F-496B-B907-AE1333370A49}" sibTransId="{3E3796D4-14D5-4F44-BF34-9D15B6CF2DDB}"/>
-    <dgm:cxn modelId="{7C6567BC-4D03-4730-B045-6580263292C6}" srcId="{89061DAC-6AEB-4867-BA6F-2E04ECFD80EF}" destId="{AFD4062D-FCDE-4595-BF19-802F6E942A6D}" srcOrd="2" destOrd="0" parTransId="{2676CAF9-036E-4E34-AE36-1DC8B7C4925F}" sibTransId="{803EB7F9-E2B8-42F6-BB5B-855C072ADCDE}"/>
-    <dgm:cxn modelId="{7D10A6F8-1259-48EC-B5BE-2AD90EA7C2E4}" type="presOf" srcId="{9C037213-F107-4194-ABFE-F28E8B0B4585}" destId="{74529463-B1BE-4AA8-A8F4-7002B12FA924}" srcOrd="0" destOrd="0" presId="urn:microsoft.com/office/officeart/2008/layout/VerticalCurvedList"/>
-    <dgm:cxn modelId="{D43A005D-A5C7-4C14-AE81-718B2C0B0AD0}" type="presOf" srcId="{C8BF313D-B171-4411-8E34-6276AABAFB7F}" destId="{7A26735A-9056-4AEC-A0A5-4D5F01A9A06A}" srcOrd="0" destOrd="0" presId="urn:microsoft.com/office/officeart/2008/layout/VerticalCurvedList"/>
     <dgm:cxn modelId="{855AE820-C4EC-446A-AAA9-FAACEA85A5FD}" type="presParOf" srcId="{3D948533-E727-4C6B-A896-B72D1594E167}" destId="{B35FAEBC-964A-40B7-B2A1-F4E7313BB6CF}" srcOrd="0" destOrd="0" presId="urn:microsoft.com/office/officeart/2008/layout/VerticalCurvedList"/>
     <dgm:cxn modelId="{046603F5-8F67-429A-BEDE-E831F3BA217C}" type="presParOf" srcId="{B35FAEBC-964A-40B7-B2A1-F4E7313BB6CF}" destId="{9BF645EA-FF3E-49D1-BC57-E92E58901A5D}" srcOrd="0" destOrd="0" presId="urn:microsoft.com/office/officeart/2008/layout/VerticalCurvedList"/>
     <dgm:cxn modelId="{3F7B2509-31B4-434F-85C9-B899C57F6099}" type="presParOf" srcId="{9BF645EA-FF3E-49D1-BC57-E92E58901A5D}" destId="{B638709C-DC8D-43D0-8ED3-2721965C930C}" srcOrd="0" destOrd="0" presId="urn:microsoft.com/office/officeart/2008/layout/VerticalCurvedList"/>
@@ -6782,15 +6859,7 @@
         <a:p>
           <a:r>
             <a:rPr lang="zh-CN" altLang="en-US" dirty="0" smtClean="0"/>
-            <a:t>不内置</a:t>
-          </a:r>
-          <a:r>
-            <a:rPr lang="en-US" altLang="zh-CN" dirty="0" smtClean="0"/>
-            <a:t>UI</a:t>
-          </a:r>
-          <a:r>
-            <a:rPr lang="zh-CN" altLang="en-US" dirty="0" smtClean="0"/>
-            <a:t>库</a:t>
+            <a:t>高内聚、功能单一的内置指令，无限组合</a:t>
           </a:r>
           <a:endParaRPr lang="zh-CN" altLang="en-US" dirty="0"/>
         </a:p>
@@ -7131,6 +7200,13 @@
         </dgm:presLayoutVars>
       </dgm:prSet>
       <dgm:spPr/>
+      <dgm:t>
+        <a:bodyPr/>
+        <a:lstStyle/>
+        <a:p>
+          <a:endParaRPr lang="zh-CN" altLang="en-US"/>
+        </a:p>
+      </dgm:t>
     </dgm:pt>
     <dgm:pt modelId="{EF97DB67-B82E-4E08-A758-C54904D59DE6}" type="pres">
       <dgm:prSet presAssocID="{16AE76BF-2DFE-494D-A4C6-5E3FA916F81A}" presName="linNode" presStyleCnt="0"/>
@@ -7183,6 +7259,13 @@
         </dgm:presLayoutVars>
       </dgm:prSet>
       <dgm:spPr/>
+      <dgm:t>
+        <a:bodyPr/>
+        <a:lstStyle/>
+        <a:p>
+          <a:endParaRPr lang="zh-CN" altLang="en-US"/>
+        </a:p>
+      </dgm:t>
     </dgm:pt>
     <dgm:pt modelId="{A51D8338-D9F8-4D26-BD2B-0244D10133B5}" type="pres">
       <dgm:prSet presAssocID="{77EC59D4-9B46-4FB2-88DF-94A358EC6BB3}" presName="descendantText" presStyleLbl="alignAccFollowNode1" presStyleIdx="1" presStyleCnt="4">
@@ -7191,6 +7274,13 @@
         </dgm:presLayoutVars>
       </dgm:prSet>
       <dgm:spPr/>
+      <dgm:t>
+        <a:bodyPr/>
+        <a:lstStyle/>
+        <a:p>
+          <a:endParaRPr lang="zh-CN" altLang="en-US"/>
+        </a:p>
+      </dgm:t>
     </dgm:pt>
     <dgm:pt modelId="{EEA56111-57D0-4B01-9BBD-7DA7FF3F9740}" type="pres">
       <dgm:prSet presAssocID="{0153B2DF-485E-4395-95D9-25BD11F549B9}" presName="sp" presStyleCnt="0"/>
@@ -7208,6 +7298,13 @@
         </dgm:presLayoutVars>
       </dgm:prSet>
       <dgm:spPr/>
+      <dgm:t>
+        <a:bodyPr/>
+        <a:lstStyle/>
+        <a:p>
+          <a:endParaRPr lang="zh-CN" altLang="en-US"/>
+        </a:p>
+      </dgm:t>
     </dgm:pt>
     <dgm:pt modelId="{5C7D7621-CF07-4DA9-B5F0-7EE3375D82E5}" type="pres">
       <dgm:prSet presAssocID="{2C785276-A083-4D81-B414-29DB0C55E8BE}" presName="descendantText" presStyleLbl="alignAccFollowNode1" presStyleIdx="2" presStyleCnt="4">
@@ -7216,6 +7313,13 @@
         </dgm:presLayoutVars>
       </dgm:prSet>
       <dgm:spPr/>
+      <dgm:t>
+        <a:bodyPr/>
+        <a:lstStyle/>
+        <a:p>
+          <a:endParaRPr lang="zh-CN" altLang="en-US"/>
+        </a:p>
+      </dgm:t>
     </dgm:pt>
     <dgm:pt modelId="{B93ECB98-080A-4306-88B0-548961A54179}" type="pres">
       <dgm:prSet presAssocID="{ACEA8A83-975B-4FC4-AAB1-8EBD80201DAE}" presName="sp" presStyleCnt="0"/>
@@ -7233,6 +7337,13 @@
         </dgm:presLayoutVars>
       </dgm:prSet>
       <dgm:spPr/>
+      <dgm:t>
+        <a:bodyPr/>
+        <a:lstStyle/>
+        <a:p>
+          <a:endParaRPr lang="zh-CN" altLang="en-US"/>
+        </a:p>
+      </dgm:t>
     </dgm:pt>
     <dgm:pt modelId="{F362A701-1057-4513-BD4A-090E10FFAD60}" type="pres">
       <dgm:prSet presAssocID="{DDC64019-CA86-43B4-8B9E-640B53FF5A5F}" presName="descendantText" presStyleLbl="alignAccFollowNode1" presStyleIdx="3" presStyleCnt="4">
@@ -7241,32 +7352,39 @@
         </dgm:presLayoutVars>
       </dgm:prSet>
       <dgm:spPr/>
+      <dgm:t>
+        <a:bodyPr/>
+        <a:lstStyle/>
+        <a:p>
+          <a:endParaRPr lang="zh-CN" altLang="en-US"/>
+        </a:p>
+      </dgm:t>
     </dgm:pt>
   </dgm:ptLst>
   <dgm:cxnLst>
-    <dgm:cxn modelId="{E1CD8315-14AC-4958-A8D0-4A09C18CC748}" type="presOf" srcId="{CFC57C36-2C4A-49A7-9163-F832E58A8AF1}" destId="{596A2AE7-7173-4EDE-A043-EEC343E15CEF}" srcOrd="0" destOrd="0" presId="urn:microsoft.com/office/officeart/2005/8/layout/vList5"/>
-    <dgm:cxn modelId="{266586BE-EBAD-4EC1-822A-53291FBCC65F}" type="presOf" srcId="{2C785276-A083-4D81-B414-29DB0C55E8BE}" destId="{347D2DEF-EFC8-4F82-B495-3A4E8344AFEA}" srcOrd="0" destOrd="0" presId="urn:microsoft.com/office/officeart/2005/8/layout/vList5"/>
-    <dgm:cxn modelId="{4DFB88A3-5DF0-48C4-BB71-46D5885F6120}" type="presOf" srcId="{7E595DC2-0566-48E1-88EA-30E97053AC09}" destId="{092F936B-A289-4E24-ACD5-9FFA5B2F539C}" srcOrd="0" destOrd="0" presId="urn:microsoft.com/office/officeart/2005/8/layout/vList5"/>
+    <dgm:cxn modelId="{78C375EB-47C3-42F8-9CFD-FDCEF3957865}" srcId="{DDC64019-CA86-43B4-8B9E-640B53FF5A5F}" destId="{4E4A1582-0E7F-4173-8D0E-1A1339203BBE}" srcOrd="0" destOrd="0" parTransId="{594375A0-649F-4D38-AA0C-A2F951786C0F}" sibTransId="{75E94723-7B07-42FC-A743-42269228B381}"/>
+    <dgm:cxn modelId="{7599E265-2D29-4724-BF42-092E1AB6109F}" type="presOf" srcId="{4E4A1582-0E7F-4173-8D0E-1A1339203BBE}" destId="{F362A701-1057-4513-BD4A-090E10FFAD60}" srcOrd="0" destOrd="0" presId="urn:microsoft.com/office/officeart/2005/8/layout/vList5"/>
     <dgm:cxn modelId="{47B591C2-7209-4D75-B6DB-FAA1558C1C23}" type="presOf" srcId="{E6B47E2E-E22E-4011-A052-F5978CCE639D}" destId="{A51D8338-D9F8-4D26-BD2B-0244D10133B5}" srcOrd="0" destOrd="0" presId="urn:microsoft.com/office/officeart/2005/8/layout/vList5"/>
     <dgm:cxn modelId="{DC85FB87-46A0-460A-934E-0D8C101E3079}" srcId="{77EC59D4-9B46-4FB2-88DF-94A358EC6BB3}" destId="{E6B47E2E-E22E-4011-A052-F5978CCE639D}" srcOrd="0" destOrd="0" parTransId="{0E5B6817-2B54-44BC-91AE-98FFE66C7C3E}" sibTransId="{7F89CE2F-5327-4DED-8D61-02BA4F2FC279}"/>
-    <dgm:cxn modelId="{D0F01FAD-388D-4D6C-A73E-50C68369DCA0}" type="presOf" srcId="{75C2700E-E381-4586-A366-9713E97E00DB}" destId="{F362A701-1057-4513-BD4A-090E10FFAD60}" srcOrd="0" destOrd="1" presId="urn:microsoft.com/office/officeart/2005/8/layout/vList5"/>
-    <dgm:cxn modelId="{7599E265-2D29-4724-BF42-092E1AB6109F}" type="presOf" srcId="{4E4A1582-0E7F-4173-8D0E-1A1339203BBE}" destId="{F362A701-1057-4513-BD4A-090E10FFAD60}" srcOrd="0" destOrd="0" presId="urn:microsoft.com/office/officeart/2005/8/layout/vList5"/>
-    <dgm:cxn modelId="{78C375EB-47C3-42F8-9CFD-FDCEF3957865}" srcId="{DDC64019-CA86-43B4-8B9E-640B53FF5A5F}" destId="{4E4A1582-0E7F-4173-8D0E-1A1339203BBE}" srcOrd="0" destOrd="0" parTransId="{594375A0-649F-4D38-AA0C-A2F951786C0F}" sibTransId="{75E94723-7B07-42FC-A743-42269228B381}"/>
-    <dgm:cxn modelId="{54C5CAE1-0DF7-48BB-9683-E5FC730561C2}" srcId="{DDC64019-CA86-43B4-8B9E-640B53FF5A5F}" destId="{75C2700E-E381-4586-A366-9713E97E00DB}" srcOrd="1" destOrd="0" parTransId="{341CE6CE-B857-4490-9D1A-E4AC4B75BDDE}" sibTransId="{13CEB652-2F56-4C0F-BD74-CD0532EBFAB1}"/>
-    <dgm:cxn modelId="{E27B27DA-509E-4E9B-AA0A-A1D630D5A302}" type="presOf" srcId="{16AE76BF-2DFE-494D-A4C6-5E3FA916F81A}" destId="{6A327D2E-5643-4646-90D8-A0CFF3C23FEB}" srcOrd="0" destOrd="0" presId="urn:microsoft.com/office/officeart/2005/8/layout/vList5"/>
-    <dgm:cxn modelId="{BF0925C0-B9CC-432C-829B-4A6E0742DCC9}" type="presOf" srcId="{78383A03-FCD7-44D5-B8E3-D8A7CCDD0F0C}" destId="{596A2AE7-7173-4EDE-A043-EEC343E15CEF}" srcOrd="0" destOrd="1" presId="urn:microsoft.com/office/officeart/2005/8/layout/vList5"/>
-    <dgm:cxn modelId="{1B8E6C4E-7039-4438-9524-D892CD5EB2CF}" type="presOf" srcId="{77EC59D4-9B46-4FB2-88DF-94A358EC6BB3}" destId="{A8926A6F-B25E-46F8-A7CB-6C765C1B1EB4}" srcOrd="0" destOrd="0" presId="urn:microsoft.com/office/officeart/2005/8/layout/vList5"/>
-    <dgm:cxn modelId="{29E10100-5C36-4BA7-985A-CC324643EFE4}" srcId="{16AE76BF-2DFE-494D-A4C6-5E3FA916F81A}" destId="{CFC57C36-2C4A-49A7-9163-F832E58A8AF1}" srcOrd="0" destOrd="0" parTransId="{99349C2C-5B91-4570-9DC5-48D6B9145227}" sibTransId="{27C4AE39-95A6-4DB7-8342-BBB735BB39AF}"/>
-    <dgm:cxn modelId="{2FC0D0E0-5677-435D-B678-F05039958C45}" srcId="{7E595DC2-0566-48E1-88EA-30E97053AC09}" destId="{16AE76BF-2DFE-494D-A4C6-5E3FA916F81A}" srcOrd="0" destOrd="0" parTransId="{EE0EA4A6-0E84-48E8-83AC-43E7D6871234}" sibTransId="{F12FC935-F566-4B85-9A01-74A06CAEE40D}"/>
-    <dgm:cxn modelId="{433FECA5-6B2D-44FF-AF5F-D7846CCF3119}" type="presOf" srcId="{DDC64019-CA86-43B4-8B9E-640B53FF5A5F}" destId="{06400C2E-47F9-4585-978E-BCBF7C486AAC}" srcOrd="0" destOrd="0" presId="urn:microsoft.com/office/officeart/2005/8/layout/vList5"/>
-    <dgm:cxn modelId="{683F6279-B87D-4D00-9BD3-EC363CAFA162}" type="presOf" srcId="{6FCFC8F9-0718-4E27-91EC-544E6590114E}" destId="{5C7D7621-CF07-4DA9-B5F0-7EE3375D82E5}" srcOrd="0" destOrd="1" presId="urn:microsoft.com/office/officeart/2005/8/layout/vList5"/>
-    <dgm:cxn modelId="{793B0C06-C2CB-41B8-8F2F-C0189825F445}" srcId="{7E595DC2-0566-48E1-88EA-30E97053AC09}" destId="{77EC59D4-9B46-4FB2-88DF-94A358EC6BB3}" srcOrd="1" destOrd="0" parTransId="{803B0DF4-70FF-4800-A2DD-ED41C3A4DF7D}" sibTransId="{0153B2DF-485E-4395-95D9-25BD11F549B9}"/>
-    <dgm:cxn modelId="{BE6D513D-4C61-413F-AA78-4FAA18234191}" srcId="{7E595DC2-0566-48E1-88EA-30E97053AC09}" destId="{2C785276-A083-4D81-B414-29DB0C55E8BE}" srcOrd="2" destOrd="0" parTransId="{AC6F989C-C864-4AD1-A8BC-B31A53B0E38B}" sibTransId="{ACEA8A83-975B-4FC4-AAB1-8EBD80201DAE}"/>
-    <dgm:cxn modelId="{26835697-EEEE-4202-8D7A-2E65D742633B}" srcId="{7E595DC2-0566-48E1-88EA-30E97053AC09}" destId="{DDC64019-CA86-43B4-8B9E-640B53FF5A5F}" srcOrd="3" destOrd="0" parTransId="{32A91162-FFC3-49E6-BF30-8E76254621B8}" sibTransId="{790A6F77-16F7-4694-89F4-238E05F12007}"/>
-    <dgm:cxn modelId="{D1D0D36D-D186-4F3D-85B4-244FF3E665A8}" srcId="{2C785276-A083-4D81-B414-29DB0C55E8BE}" destId="{6FCFC8F9-0718-4E27-91EC-544E6590114E}" srcOrd="1" destOrd="0" parTransId="{71FB3ED3-6CD6-446C-9B56-B3F34149EB45}" sibTransId="{3F362EA5-2829-4B8B-8402-DAE2023CA52B}"/>
-    <dgm:cxn modelId="{3303D1B3-62FA-4314-93DE-F31AB518F819}" srcId="{16AE76BF-2DFE-494D-A4C6-5E3FA916F81A}" destId="{78383A03-FCD7-44D5-B8E3-D8A7CCDD0F0C}" srcOrd="1" destOrd="0" parTransId="{2F37E94B-29E8-485C-A3B6-407D60CC808E}" sibTransId="{54BC21F3-9C8C-41BE-A44D-2386F5CE3375}"/>
     <dgm:cxn modelId="{D6276DF3-D72C-4DAE-8AF5-B7151AAC4EB1}" type="presOf" srcId="{32CCE43B-710B-4B2D-B3C5-738CE8541E68}" destId="{5C7D7621-CF07-4DA9-B5F0-7EE3375D82E5}" srcOrd="0" destOrd="0" presId="urn:microsoft.com/office/officeart/2005/8/layout/vList5"/>
     <dgm:cxn modelId="{7291C32A-F72F-430A-A1FD-AF4B97FBFB0D}" srcId="{2C785276-A083-4D81-B414-29DB0C55E8BE}" destId="{32CCE43B-710B-4B2D-B3C5-738CE8541E68}" srcOrd="0" destOrd="0" parTransId="{DE189721-CB83-41A3-B379-CEC62CDA01B5}" sibTransId="{9AB44C5C-9940-4F09-BD09-1758FE4E684D}"/>
+    <dgm:cxn modelId="{D1D0D36D-D186-4F3D-85B4-244FF3E665A8}" srcId="{2C785276-A083-4D81-B414-29DB0C55E8BE}" destId="{6FCFC8F9-0718-4E27-91EC-544E6590114E}" srcOrd="1" destOrd="0" parTransId="{71FB3ED3-6CD6-446C-9B56-B3F34149EB45}" sibTransId="{3F362EA5-2829-4B8B-8402-DAE2023CA52B}"/>
+    <dgm:cxn modelId="{683F6279-B87D-4D00-9BD3-EC363CAFA162}" type="presOf" srcId="{6FCFC8F9-0718-4E27-91EC-544E6590114E}" destId="{5C7D7621-CF07-4DA9-B5F0-7EE3375D82E5}" srcOrd="0" destOrd="1" presId="urn:microsoft.com/office/officeart/2005/8/layout/vList5"/>
+    <dgm:cxn modelId="{4DFB88A3-5DF0-48C4-BB71-46D5885F6120}" type="presOf" srcId="{7E595DC2-0566-48E1-88EA-30E97053AC09}" destId="{092F936B-A289-4E24-ACD5-9FFA5B2F539C}" srcOrd="0" destOrd="0" presId="urn:microsoft.com/office/officeart/2005/8/layout/vList5"/>
+    <dgm:cxn modelId="{266586BE-EBAD-4EC1-822A-53291FBCC65F}" type="presOf" srcId="{2C785276-A083-4D81-B414-29DB0C55E8BE}" destId="{347D2DEF-EFC8-4F82-B495-3A4E8344AFEA}" srcOrd="0" destOrd="0" presId="urn:microsoft.com/office/officeart/2005/8/layout/vList5"/>
+    <dgm:cxn modelId="{BE6D513D-4C61-413F-AA78-4FAA18234191}" srcId="{7E595DC2-0566-48E1-88EA-30E97053AC09}" destId="{2C785276-A083-4D81-B414-29DB0C55E8BE}" srcOrd="2" destOrd="0" parTransId="{AC6F989C-C864-4AD1-A8BC-B31A53B0E38B}" sibTransId="{ACEA8A83-975B-4FC4-AAB1-8EBD80201DAE}"/>
+    <dgm:cxn modelId="{54C5CAE1-0DF7-48BB-9683-E5FC730561C2}" srcId="{DDC64019-CA86-43B4-8B9E-640B53FF5A5F}" destId="{75C2700E-E381-4586-A366-9713E97E00DB}" srcOrd="1" destOrd="0" parTransId="{341CE6CE-B857-4490-9D1A-E4AC4B75BDDE}" sibTransId="{13CEB652-2F56-4C0F-BD74-CD0532EBFAB1}"/>
+    <dgm:cxn modelId="{E1CD8315-14AC-4958-A8D0-4A09C18CC748}" type="presOf" srcId="{CFC57C36-2C4A-49A7-9163-F832E58A8AF1}" destId="{596A2AE7-7173-4EDE-A043-EEC343E15CEF}" srcOrd="0" destOrd="0" presId="urn:microsoft.com/office/officeart/2005/8/layout/vList5"/>
+    <dgm:cxn modelId="{29E10100-5C36-4BA7-985A-CC324643EFE4}" srcId="{16AE76BF-2DFE-494D-A4C6-5E3FA916F81A}" destId="{CFC57C36-2C4A-49A7-9163-F832E58A8AF1}" srcOrd="0" destOrd="0" parTransId="{99349C2C-5B91-4570-9DC5-48D6B9145227}" sibTransId="{27C4AE39-95A6-4DB7-8342-BBB735BB39AF}"/>
+    <dgm:cxn modelId="{433FECA5-6B2D-44FF-AF5F-D7846CCF3119}" type="presOf" srcId="{DDC64019-CA86-43B4-8B9E-640B53FF5A5F}" destId="{06400C2E-47F9-4585-978E-BCBF7C486AAC}" srcOrd="0" destOrd="0" presId="urn:microsoft.com/office/officeart/2005/8/layout/vList5"/>
+    <dgm:cxn modelId="{1B8E6C4E-7039-4438-9524-D892CD5EB2CF}" type="presOf" srcId="{77EC59D4-9B46-4FB2-88DF-94A358EC6BB3}" destId="{A8926A6F-B25E-46F8-A7CB-6C765C1B1EB4}" srcOrd="0" destOrd="0" presId="urn:microsoft.com/office/officeart/2005/8/layout/vList5"/>
+    <dgm:cxn modelId="{26835697-EEEE-4202-8D7A-2E65D742633B}" srcId="{7E595DC2-0566-48E1-88EA-30E97053AC09}" destId="{DDC64019-CA86-43B4-8B9E-640B53FF5A5F}" srcOrd="3" destOrd="0" parTransId="{32A91162-FFC3-49E6-BF30-8E76254621B8}" sibTransId="{790A6F77-16F7-4694-89F4-238E05F12007}"/>
+    <dgm:cxn modelId="{D0F01FAD-388D-4D6C-A73E-50C68369DCA0}" type="presOf" srcId="{75C2700E-E381-4586-A366-9713E97E00DB}" destId="{F362A701-1057-4513-BD4A-090E10FFAD60}" srcOrd="0" destOrd="1" presId="urn:microsoft.com/office/officeart/2005/8/layout/vList5"/>
+    <dgm:cxn modelId="{2FC0D0E0-5677-435D-B678-F05039958C45}" srcId="{7E595DC2-0566-48E1-88EA-30E97053AC09}" destId="{16AE76BF-2DFE-494D-A4C6-5E3FA916F81A}" srcOrd="0" destOrd="0" parTransId="{EE0EA4A6-0E84-48E8-83AC-43E7D6871234}" sibTransId="{F12FC935-F566-4B85-9A01-74A06CAEE40D}"/>
+    <dgm:cxn modelId="{E27B27DA-509E-4E9B-AA0A-A1D630D5A302}" type="presOf" srcId="{16AE76BF-2DFE-494D-A4C6-5E3FA916F81A}" destId="{6A327D2E-5643-4646-90D8-A0CFF3C23FEB}" srcOrd="0" destOrd="0" presId="urn:microsoft.com/office/officeart/2005/8/layout/vList5"/>
+    <dgm:cxn modelId="{793B0C06-C2CB-41B8-8F2F-C0189825F445}" srcId="{7E595DC2-0566-48E1-88EA-30E97053AC09}" destId="{77EC59D4-9B46-4FB2-88DF-94A358EC6BB3}" srcOrd="1" destOrd="0" parTransId="{803B0DF4-70FF-4800-A2DD-ED41C3A4DF7D}" sibTransId="{0153B2DF-485E-4395-95D9-25BD11F549B9}"/>
+    <dgm:cxn modelId="{BF0925C0-B9CC-432C-829B-4A6E0742DCC9}" type="presOf" srcId="{78383A03-FCD7-44D5-B8E3-D8A7CCDD0F0C}" destId="{596A2AE7-7173-4EDE-A043-EEC343E15CEF}" srcOrd="0" destOrd="1" presId="urn:microsoft.com/office/officeart/2005/8/layout/vList5"/>
+    <dgm:cxn modelId="{3303D1B3-62FA-4314-93DE-F31AB518F819}" srcId="{16AE76BF-2DFE-494D-A4C6-5E3FA916F81A}" destId="{78383A03-FCD7-44D5-B8E3-D8A7CCDD0F0C}" srcOrd="1" destOrd="0" parTransId="{2F37E94B-29E8-485C-A3B6-407D60CC808E}" sibTransId="{54BC21F3-9C8C-41BE-A44D-2386F5CE3375}"/>
     <dgm:cxn modelId="{48E7313C-4CDF-45E2-9A32-0402187D8333}" type="presParOf" srcId="{092F936B-A289-4E24-ACD5-9FFA5B2F539C}" destId="{EF97DB67-B82E-4E08-A758-C54904D59DE6}" srcOrd="0" destOrd="0" presId="urn:microsoft.com/office/officeart/2005/8/layout/vList5"/>
     <dgm:cxn modelId="{C35845F1-87ED-4E54-86D8-CF5274813FE9}" type="presParOf" srcId="{EF97DB67-B82E-4E08-A758-C54904D59DE6}" destId="{6A327D2E-5643-4646-90D8-A0CFF3C23FEB}" srcOrd="0" destOrd="0" presId="urn:microsoft.com/office/officeart/2005/8/layout/vList5"/>
     <dgm:cxn modelId="{8B73354B-AC29-4D19-8A04-38AEE4CED714}" type="presParOf" srcId="{EF97DB67-B82E-4E08-A758-C54904D59DE6}" destId="{596A2AE7-7173-4EDE-A043-EEC343E15CEF}" srcOrd="1" destOrd="0" presId="urn:microsoft.com/office/officeart/2005/8/layout/vList5"/>
@@ -7301,567 +7419,6 @@
       <dsp:cNvGrpSpPr/>
     </dsp:nvGrpSpPr>
     <dsp:grpSpPr/>
-    <dsp:sp modelId="{29C36199-45EF-4C8D-8A54-8A5702E42719}">
-      <dsp:nvSpPr>
-        <dsp:cNvPr id="0" name=""/>
-        <dsp:cNvSpPr/>
-      </dsp:nvSpPr>
-      <dsp:spPr>
-        <a:xfrm>
-          <a:off x="-5011300" y="-767797"/>
-          <a:ext cx="5968140" cy="5968140"/>
-        </a:xfrm>
-        <a:prstGeom prst="blockArc">
-          <a:avLst>
-            <a:gd name="adj1" fmla="val 18900000"/>
-            <a:gd name="adj2" fmla="val 2700000"/>
-            <a:gd name="adj3" fmla="val 362"/>
-          </a:avLst>
-        </a:prstGeom>
-        <a:noFill/>
-        <a:ln w="19050" cap="rnd" cmpd="sng" algn="ctr">
-          <a:solidFill>
-            <a:schemeClr val="accent1">
-              <a:shade val="60000"/>
-              <a:hueOff val="0"/>
-              <a:satOff val="0"/>
-              <a:lumOff val="0"/>
-              <a:alphaOff val="0"/>
-            </a:schemeClr>
-          </a:solidFill>
-          <a:prstDash val="solid"/>
-        </a:ln>
-        <a:effectLst/>
-      </dsp:spPr>
-      <dsp:style>
-        <a:lnRef idx="2">
-          <a:scrgbClr r="0" g="0" b="0"/>
-        </a:lnRef>
-        <a:fillRef idx="0">
-          <a:scrgbClr r="0" g="0" b="0"/>
-        </a:fillRef>
-        <a:effectRef idx="0">
-          <a:scrgbClr r="0" g="0" b="0"/>
-        </a:effectRef>
-        <a:fontRef idx="minor"/>
-      </dsp:style>
-    </dsp:sp>
-    <dsp:sp modelId="{F56D0912-8663-40E9-BB22-0B1A510CE839}">
-      <dsp:nvSpPr>
-        <dsp:cNvPr id="0" name=""/>
-        <dsp:cNvSpPr/>
-      </dsp:nvSpPr>
-      <dsp:spPr>
-        <a:xfrm>
-          <a:off x="501039" y="340774"/>
-          <a:ext cx="5774246" cy="681902"/>
-        </a:xfrm>
-        <a:prstGeom prst="rect">
-          <a:avLst/>
-        </a:prstGeom>
-        <a:solidFill>
-          <a:schemeClr val="accent1">
-            <a:hueOff val="0"/>
-            <a:satOff val="0"/>
-            <a:lumOff val="0"/>
-            <a:alphaOff val="0"/>
-          </a:schemeClr>
-        </a:solidFill>
-        <a:ln w="19050" cap="rnd" cmpd="sng" algn="ctr">
-          <a:solidFill>
-            <a:schemeClr val="lt1">
-              <a:hueOff val="0"/>
-              <a:satOff val="0"/>
-              <a:lumOff val="0"/>
-              <a:alphaOff val="0"/>
-            </a:schemeClr>
-          </a:solidFill>
-          <a:prstDash val="solid"/>
-        </a:ln>
-        <a:effectLst/>
-      </dsp:spPr>
-      <dsp:style>
-        <a:lnRef idx="2">
-          <a:scrgbClr r="0" g="0" b="0"/>
-        </a:lnRef>
-        <a:fillRef idx="1">
-          <a:scrgbClr r="0" g="0" b="0"/>
-        </a:fillRef>
-        <a:effectRef idx="0">
-          <a:scrgbClr r="0" g="0" b="0"/>
-        </a:effectRef>
-        <a:fontRef idx="minor">
-          <a:schemeClr val="lt1"/>
-        </a:fontRef>
-      </dsp:style>
-      <dsp:txBody>
-        <a:bodyPr spcFirstLastPara="0" vert="horz" wrap="square" lIns="541260" tIns="81280" rIns="81280" bIns="81280" numCol="1" spcCol="1270" anchor="ctr" anchorCtr="0">
-          <a:noAutofit/>
-        </a:bodyPr>
-        <a:lstStyle/>
-        <a:p>
-          <a:pPr lvl="0" algn="l" defTabSz="1422400">
-            <a:lnSpc>
-              <a:spcPct val="90000"/>
-            </a:lnSpc>
-            <a:spcBef>
-              <a:spcPct val="0"/>
-            </a:spcBef>
-            <a:spcAft>
-              <a:spcPct val="35000"/>
-            </a:spcAft>
-          </a:pPr>
-          <a:r>
-            <a:rPr lang="en-US" altLang="zh-CN" sz="3200" kern="1200" dirty="0" smtClean="0"/>
-            <a:t>View</a:t>
-          </a:r>
-          <a:r>
-            <a:rPr lang="zh-CN" altLang="en-US" sz="3200" kern="1200" dirty="0" smtClean="0"/>
-            <a:t>很“瘦”</a:t>
-          </a:r>
-          <a:r>
-            <a:rPr lang="en-US" altLang="zh-CN" sz="3200" kern="1200" dirty="0" smtClean="0"/>
-            <a:t>/</a:t>
-          </a:r>
-          <a:r>
-            <a:rPr lang="zh-CN" altLang="en-US" sz="3200" kern="1200" dirty="0" smtClean="0"/>
-            <a:t>定义式界面</a:t>
-          </a:r>
-          <a:endParaRPr lang="zh-CN" altLang="en-US" sz="3200" kern="1200" dirty="0"/>
-        </a:p>
-      </dsp:txBody>
-      <dsp:txXfrm>
-        <a:off x="501039" y="340774"/>
-        <a:ext cx="5774246" cy="681902"/>
-      </dsp:txXfrm>
-    </dsp:sp>
-    <dsp:sp modelId="{1F9F6AB0-83F2-45AF-A3D3-1A3ED92C4FA3}">
-      <dsp:nvSpPr>
-        <dsp:cNvPr id="0" name=""/>
-        <dsp:cNvSpPr/>
-      </dsp:nvSpPr>
-      <dsp:spPr>
-        <a:xfrm>
-          <a:off x="74850" y="255536"/>
-          <a:ext cx="852378" cy="852378"/>
-        </a:xfrm>
-        <a:prstGeom prst="ellipse">
-          <a:avLst/>
-        </a:prstGeom>
-        <a:solidFill>
-          <a:schemeClr val="lt1">
-            <a:hueOff val="0"/>
-            <a:satOff val="0"/>
-            <a:lumOff val="0"/>
-            <a:alphaOff val="0"/>
-          </a:schemeClr>
-        </a:solidFill>
-        <a:ln w="19050" cap="rnd" cmpd="sng" algn="ctr">
-          <a:solidFill>
-            <a:schemeClr val="accent1">
-              <a:hueOff val="0"/>
-              <a:satOff val="0"/>
-              <a:lumOff val="0"/>
-              <a:alphaOff val="0"/>
-            </a:schemeClr>
-          </a:solidFill>
-          <a:prstDash val="solid"/>
-        </a:ln>
-        <a:effectLst/>
-      </dsp:spPr>
-      <dsp:style>
-        <a:lnRef idx="2">
-          <a:scrgbClr r="0" g="0" b="0"/>
-        </a:lnRef>
-        <a:fillRef idx="1">
-          <a:scrgbClr r="0" g="0" b="0"/>
-        </a:fillRef>
-        <a:effectRef idx="0">
-          <a:scrgbClr r="0" g="0" b="0"/>
-        </a:effectRef>
-        <a:fontRef idx="minor"/>
-      </dsp:style>
-    </dsp:sp>
-    <dsp:sp modelId="{EC5D7633-414D-4330-A9F0-D40B5EF27232}">
-      <dsp:nvSpPr>
-        <dsp:cNvPr id="0" name=""/>
-        <dsp:cNvSpPr/>
-      </dsp:nvSpPr>
-      <dsp:spPr>
-        <a:xfrm>
-          <a:off x="891989" y="1363805"/>
-          <a:ext cx="5383295" cy="681902"/>
-        </a:xfrm>
-        <a:prstGeom prst="rect">
-          <a:avLst/>
-        </a:prstGeom>
-        <a:solidFill>
-          <a:schemeClr val="accent1">
-            <a:hueOff val="0"/>
-            <a:satOff val="0"/>
-            <a:lumOff val="0"/>
-            <a:alphaOff val="0"/>
-          </a:schemeClr>
-        </a:solidFill>
-        <a:ln w="19050" cap="rnd" cmpd="sng" algn="ctr">
-          <a:solidFill>
-            <a:schemeClr val="lt1">
-              <a:hueOff val="0"/>
-              <a:satOff val="0"/>
-              <a:lumOff val="0"/>
-              <a:alphaOff val="0"/>
-            </a:schemeClr>
-          </a:solidFill>
-          <a:prstDash val="solid"/>
-        </a:ln>
-        <a:effectLst/>
-      </dsp:spPr>
-      <dsp:style>
-        <a:lnRef idx="2">
-          <a:scrgbClr r="0" g="0" b="0"/>
-        </a:lnRef>
-        <a:fillRef idx="1">
-          <a:scrgbClr r="0" g="0" b="0"/>
-        </a:fillRef>
-        <a:effectRef idx="0">
-          <a:scrgbClr r="0" g="0" b="0"/>
-        </a:effectRef>
-        <a:fontRef idx="minor">
-          <a:schemeClr val="lt1"/>
-        </a:fontRef>
-      </dsp:style>
-      <dsp:txBody>
-        <a:bodyPr spcFirstLastPara="0" vert="horz" wrap="square" lIns="541260" tIns="81280" rIns="81280" bIns="81280" numCol="1" spcCol="1270" anchor="ctr" anchorCtr="0">
-          <a:noAutofit/>
-        </a:bodyPr>
-        <a:lstStyle/>
-        <a:p>
-          <a:pPr lvl="0" algn="l" defTabSz="1422400">
-            <a:lnSpc>
-              <a:spcPct val="90000"/>
-            </a:lnSpc>
-            <a:spcBef>
-              <a:spcPct val="0"/>
-            </a:spcBef>
-            <a:spcAft>
-              <a:spcPct val="35000"/>
-            </a:spcAft>
-          </a:pPr>
-          <a:r>
-            <a:rPr lang="en-US" altLang="zh-CN" sz="3200" kern="1200" dirty="0" smtClean="0"/>
-            <a:t>Controller</a:t>
-          </a:r>
-          <a:r>
-            <a:rPr lang="zh-CN" altLang="en-US" sz="3200" kern="1200" dirty="0" smtClean="0"/>
-            <a:t>看不到</a:t>
-          </a:r>
-          <a:r>
-            <a:rPr lang="en-US" altLang="zh-CN" sz="3200" kern="1200" dirty="0" smtClean="0"/>
-            <a:t>View</a:t>
-          </a:r>
-          <a:endParaRPr lang="zh-CN" altLang="en-US" sz="3200" kern="1200" dirty="0"/>
-        </a:p>
-      </dsp:txBody>
-      <dsp:txXfrm>
-        <a:off x="891989" y="1363805"/>
-        <a:ext cx="5383295" cy="681902"/>
-      </dsp:txXfrm>
-    </dsp:sp>
-    <dsp:sp modelId="{79AB23DD-35FB-49AA-BFF1-1D338BEA6193}">
-      <dsp:nvSpPr>
-        <dsp:cNvPr id="0" name=""/>
-        <dsp:cNvSpPr/>
-      </dsp:nvSpPr>
-      <dsp:spPr>
-        <a:xfrm>
-          <a:off x="465800" y="1278567"/>
-          <a:ext cx="852378" cy="852378"/>
-        </a:xfrm>
-        <a:prstGeom prst="ellipse">
-          <a:avLst/>
-        </a:prstGeom>
-        <a:solidFill>
-          <a:schemeClr val="lt1">
-            <a:hueOff val="0"/>
-            <a:satOff val="0"/>
-            <a:lumOff val="0"/>
-            <a:alphaOff val="0"/>
-          </a:schemeClr>
-        </a:solidFill>
-        <a:ln w="19050" cap="rnd" cmpd="sng" algn="ctr">
-          <a:solidFill>
-            <a:schemeClr val="accent1">
-              <a:hueOff val="0"/>
-              <a:satOff val="0"/>
-              <a:lumOff val="0"/>
-              <a:alphaOff val="0"/>
-            </a:schemeClr>
-          </a:solidFill>
-          <a:prstDash val="solid"/>
-        </a:ln>
-        <a:effectLst/>
-      </dsp:spPr>
-      <dsp:style>
-        <a:lnRef idx="2">
-          <a:scrgbClr r="0" g="0" b="0"/>
-        </a:lnRef>
-        <a:fillRef idx="1">
-          <a:scrgbClr r="0" g="0" b="0"/>
-        </a:fillRef>
-        <a:effectRef idx="0">
-          <a:scrgbClr r="0" g="0" b="0"/>
-        </a:effectRef>
-        <a:fontRef idx="minor"/>
-      </dsp:style>
-    </dsp:sp>
-    <dsp:sp modelId="{E8C50261-85F9-43FA-A0DD-0267814BDDE7}">
-      <dsp:nvSpPr>
-        <dsp:cNvPr id="0" name=""/>
-        <dsp:cNvSpPr/>
-      </dsp:nvSpPr>
-      <dsp:spPr>
-        <a:xfrm>
-          <a:off x="891989" y="2386836"/>
-          <a:ext cx="5383295" cy="681902"/>
-        </a:xfrm>
-        <a:prstGeom prst="rect">
-          <a:avLst/>
-        </a:prstGeom>
-        <a:solidFill>
-          <a:schemeClr val="accent1">
-            <a:hueOff val="0"/>
-            <a:satOff val="0"/>
-            <a:lumOff val="0"/>
-            <a:alphaOff val="0"/>
-          </a:schemeClr>
-        </a:solidFill>
-        <a:ln w="19050" cap="rnd" cmpd="sng" algn="ctr">
-          <a:solidFill>
-            <a:schemeClr val="lt1">
-              <a:hueOff val="0"/>
-              <a:satOff val="0"/>
-              <a:lumOff val="0"/>
-              <a:alphaOff val="0"/>
-            </a:schemeClr>
-          </a:solidFill>
-          <a:prstDash val="solid"/>
-        </a:ln>
-        <a:effectLst/>
-      </dsp:spPr>
-      <dsp:style>
-        <a:lnRef idx="2">
-          <a:scrgbClr r="0" g="0" b="0"/>
-        </a:lnRef>
-        <a:fillRef idx="1">
-          <a:scrgbClr r="0" g="0" b="0"/>
-        </a:fillRef>
-        <a:effectRef idx="0">
-          <a:scrgbClr r="0" g="0" b="0"/>
-        </a:effectRef>
-        <a:fontRef idx="minor">
-          <a:schemeClr val="lt1"/>
-        </a:fontRef>
-      </dsp:style>
-      <dsp:txBody>
-        <a:bodyPr spcFirstLastPara="0" vert="horz" wrap="square" lIns="541260" tIns="81280" rIns="81280" bIns="81280" numCol="1" spcCol="1270" anchor="ctr" anchorCtr="0">
-          <a:noAutofit/>
-        </a:bodyPr>
-        <a:lstStyle/>
-        <a:p>
-          <a:pPr lvl="0" algn="l" defTabSz="1422400">
-            <a:lnSpc>
-              <a:spcPct val="90000"/>
-            </a:lnSpc>
-            <a:spcBef>
-              <a:spcPct val="0"/>
-            </a:spcBef>
-            <a:spcAft>
-              <a:spcPct val="35000"/>
-            </a:spcAft>
-          </a:pPr>
-          <a:r>
-            <a:rPr lang="zh-CN" altLang="en-US" sz="3200" kern="1200" dirty="0" smtClean="0"/>
-            <a:t>内部实现了前端控制器</a:t>
-          </a:r>
-          <a:endParaRPr lang="zh-CN" altLang="en-US" sz="3200" kern="1200" dirty="0"/>
-        </a:p>
-      </dsp:txBody>
-      <dsp:txXfrm>
-        <a:off x="891989" y="2386836"/>
-        <a:ext cx="5383295" cy="681902"/>
-      </dsp:txXfrm>
-    </dsp:sp>
-    <dsp:sp modelId="{E5B696C9-57A5-4EED-B5AB-40D29560F3E5}">
-      <dsp:nvSpPr>
-        <dsp:cNvPr id="0" name=""/>
-        <dsp:cNvSpPr/>
-      </dsp:nvSpPr>
-      <dsp:spPr>
-        <a:xfrm>
-          <a:off x="465800" y="2301598"/>
-          <a:ext cx="852378" cy="852378"/>
-        </a:xfrm>
-        <a:prstGeom prst="ellipse">
-          <a:avLst/>
-        </a:prstGeom>
-        <a:solidFill>
-          <a:schemeClr val="lt1">
-            <a:hueOff val="0"/>
-            <a:satOff val="0"/>
-            <a:lumOff val="0"/>
-            <a:alphaOff val="0"/>
-          </a:schemeClr>
-        </a:solidFill>
-        <a:ln w="19050" cap="rnd" cmpd="sng" algn="ctr">
-          <a:solidFill>
-            <a:schemeClr val="accent1">
-              <a:hueOff val="0"/>
-              <a:satOff val="0"/>
-              <a:lumOff val="0"/>
-              <a:alphaOff val="0"/>
-            </a:schemeClr>
-          </a:solidFill>
-          <a:prstDash val="solid"/>
-        </a:ln>
-        <a:effectLst/>
-      </dsp:spPr>
-      <dsp:style>
-        <a:lnRef idx="2">
-          <a:scrgbClr r="0" g="0" b="0"/>
-        </a:lnRef>
-        <a:fillRef idx="1">
-          <a:scrgbClr r="0" g="0" b="0"/>
-        </a:fillRef>
-        <a:effectRef idx="0">
-          <a:scrgbClr r="0" g="0" b="0"/>
-        </a:effectRef>
-        <a:fontRef idx="minor"/>
-      </dsp:style>
-    </dsp:sp>
-    <dsp:sp modelId="{4B87EE59-579B-43C6-8A49-F646B72219C9}">
-      <dsp:nvSpPr>
-        <dsp:cNvPr id="0" name=""/>
-        <dsp:cNvSpPr/>
-      </dsp:nvSpPr>
-      <dsp:spPr>
-        <a:xfrm>
-          <a:off x="501039" y="3409868"/>
-          <a:ext cx="5774246" cy="681902"/>
-        </a:xfrm>
-        <a:prstGeom prst="rect">
-          <a:avLst/>
-        </a:prstGeom>
-        <a:solidFill>
-          <a:schemeClr val="accent1">
-            <a:hueOff val="0"/>
-            <a:satOff val="0"/>
-            <a:lumOff val="0"/>
-            <a:alphaOff val="0"/>
-          </a:schemeClr>
-        </a:solidFill>
-        <a:ln w="19050" cap="rnd" cmpd="sng" algn="ctr">
-          <a:solidFill>
-            <a:schemeClr val="lt1">
-              <a:hueOff val="0"/>
-              <a:satOff val="0"/>
-              <a:lumOff val="0"/>
-              <a:alphaOff val="0"/>
-            </a:schemeClr>
-          </a:solidFill>
-          <a:prstDash val="solid"/>
-        </a:ln>
-        <a:effectLst/>
-      </dsp:spPr>
-      <dsp:style>
-        <a:lnRef idx="2">
-          <a:scrgbClr r="0" g="0" b="0"/>
-        </a:lnRef>
-        <a:fillRef idx="1">
-          <a:scrgbClr r="0" g="0" b="0"/>
-        </a:fillRef>
-        <a:effectRef idx="0">
-          <a:scrgbClr r="0" g="0" b="0"/>
-        </a:effectRef>
-        <a:fontRef idx="minor">
-          <a:schemeClr val="lt1"/>
-        </a:fontRef>
-      </dsp:style>
-      <dsp:txBody>
-        <a:bodyPr spcFirstLastPara="0" vert="horz" wrap="square" lIns="541260" tIns="81280" rIns="81280" bIns="81280" numCol="1" spcCol="1270" anchor="ctr" anchorCtr="0">
-          <a:noAutofit/>
-        </a:bodyPr>
-        <a:lstStyle/>
-        <a:p>
-          <a:pPr lvl="0" algn="l" defTabSz="1422400">
-            <a:lnSpc>
-              <a:spcPct val="90000"/>
-            </a:lnSpc>
-            <a:spcBef>
-              <a:spcPct val="0"/>
-            </a:spcBef>
-            <a:spcAft>
-              <a:spcPct val="35000"/>
-            </a:spcAft>
-          </a:pPr>
-          <a:r>
-            <a:rPr lang="zh-CN" altLang="en-US" sz="3200" kern="1200" dirty="0" smtClean="0"/>
-            <a:t>前端控制器负责双向同步</a:t>
-          </a:r>
-          <a:endParaRPr lang="zh-CN" altLang="en-US" sz="3200" kern="1200" dirty="0"/>
-        </a:p>
-      </dsp:txBody>
-      <dsp:txXfrm>
-        <a:off x="501039" y="3409868"/>
-        <a:ext cx="5774246" cy="681902"/>
-      </dsp:txXfrm>
-    </dsp:sp>
-    <dsp:sp modelId="{06A986A5-08C3-4B28-B73C-D115273A1281}">
-      <dsp:nvSpPr>
-        <dsp:cNvPr id="0" name=""/>
-        <dsp:cNvSpPr/>
-      </dsp:nvSpPr>
-      <dsp:spPr>
-        <a:xfrm>
-          <a:off x="74850" y="3324630"/>
-          <a:ext cx="852378" cy="852378"/>
-        </a:xfrm>
-        <a:prstGeom prst="ellipse">
-          <a:avLst/>
-        </a:prstGeom>
-        <a:solidFill>
-          <a:schemeClr val="lt1">
-            <a:hueOff val="0"/>
-            <a:satOff val="0"/>
-            <a:lumOff val="0"/>
-            <a:alphaOff val="0"/>
-          </a:schemeClr>
-        </a:solidFill>
-        <a:ln w="19050" cap="rnd" cmpd="sng" algn="ctr">
-          <a:solidFill>
-            <a:schemeClr val="accent1">
-              <a:hueOff val="0"/>
-              <a:satOff val="0"/>
-              <a:lumOff val="0"/>
-              <a:alphaOff val="0"/>
-            </a:schemeClr>
-          </a:solidFill>
-          <a:prstDash val="solid"/>
-        </a:ln>
-        <a:effectLst/>
-      </dsp:spPr>
-      <dsp:style>
-        <a:lnRef idx="2">
-          <a:scrgbClr r="0" g="0" b="0"/>
-        </a:lnRef>
-        <a:fillRef idx="1">
-          <a:scrgbClr r="0" g="0" b="0"/>
-        </a:fillRef>
-        <a:effectRef idx="0">
-          <a:scrgbClr r="0" g="0" b="0"/>
-        </a:effectRef>
-        <a:fontRef idx="minor"/>
-      </dsp:style>
-    </dsp:sp>
   </dsp:spTree>
 </dsp:drawing>
 </file>
@@ -7874,615 +7431,6 @@
       <dsp:cNvGrpSpPr/>
     </dsp:nvGrpSpPr>
     <dsp:grpSpPr/>
-    <dsp:sp modelId="{858317F5-3D1C-4E70-B06E-F4647D3B7B5F}">
-      <dsp:nvSpPr>
-        <dsp:cNvPr id="0" name=""/>
-        <dsp:cNvSpPr/>
-      </dsp:nvSpPr>
-      <dsp:spPr>
-        <a:xfrm>
-          <a:off x="-4387787" y="-673007"/>
-          <a:ext cx="5227451" cy="5227451"/>
-        </a:xfrm>
-        <a:prstGeom prst="blockArc">
-          <a:avLst>
-            <a:gd name="adj1" fmla="val 18900000"/>
-            <a:gd name="adj2" fmla="val 2700000"/>
-            <a:gd name="adj3" fmla="val 413"/>
-          </a:avLst>
-        </a:prstGeom>
-        <a:noFill/>
-        <a:ln w="19050" cap="rnd" cmpd="sng" algn="ctr">
-          <a:solidFill>
-            <a:schemeClr val="accent1">
-              <a:shade val="60000"/>
-              <a:hueOff val="0"/>
-              <a:satOff val="0"/>
-              <a:lumOff val="0"/>
-              <a:alphaOff val="0"/>
-            </a:schemeClr>
-          </a:solidFill>
-          <a:prstDash val="solid"/>
-        </a:ln>
-        <a:effectLst/>
-      </dsp:spPr>
-      <dsp:style>
-        <a:lnRef idx="2">
-          <a:scrgbClr r="0" g="0" b="0"/>
-        </a:lnRef>
-        <a:fillRef idx="0">
-          <a:scrgbClr r="0" g="0" b="0"/>
-        </a:fillRef>
-        <a:effectRef idx="0">
-          <a:scrgbClr r="0" g="0" b="0"/>
-        </a:effectRef>
-        <a:fontRef idx="minor"/>
-      </dsp:style>
-    </dsp:sp>
-    <dsp:sp modelId="{044553C1-4CF7-492A-891A-6003C6630575}">
-      <dsp:nvSpPr>
-        <dsp:cNvPr id="0" name=""/>
-        <dsp:cNvSpPr/>
-      </dsp:nvSpPr>
-      <dsp:spPr>
-        <a:xfrm>
-          <a:off x="439863" y="298404"/>
-          <a:ext cx="8104145" cy="597120"/>
-        </a:xfrm>
-        <a:prstGeom prst="rect">
-          <a:avLst/>
-        </a:prstGeom>
-        <a:solidFill>
-          <a:schemeClr val="accent1">
-            <a:hueOff val="0"/>
-            <a:satOff val="0"/>
-            <a:lumOff val="0"/>
-            <a:alphaOff val="0"/>
-          </a:schemeClr>
-        </a:solidFill>
-        <a:ln w="19050" cap="rnd" cmpd="sng" algn="ctr">
-          <a:solidFill>
-            <a:schemeClr val="lt1">
-              <a:hueOff val="0"/>
-              <a:satOff val="0"/>
-              <a:lumOff val="0"/>
-              <a:alphaOff val="0"/>
-            </a:schemeClr>
-          </a:solidFill>
-          <a:prstDash val="solid"/>
-        </a:ln>
-        <a:effectLst/>
-      </dsp:spPr>
-      <dsp:style>
-        <a:lnRef idx="2">
-          <a:scrgbClr r="0" g="0" b="0"/>
-        </a:lnRef>
-        <a:fillRef idx="1">
-          <a:scrgbClr r="0" g="0" b="0"/>
-        </a:fillRef>
-        <a:effectRef idx="0">
-          <a:scrgbClr r="0" g="0" b="0"/>
-        </a:effectRef>
-        <a:fontRef idx="minor">
-          <a:schemeClr val="lt1"/>
-        </a:fontRef>
-      </dsp:style>
-      <dsp:txBody>
-        <a:bodyPr spcFirstLastPara="0" vert="horz" wrap="square" lIns="473964" tIns="71120" rIns="71120" bIns="71120" numCol="1" spcCol="1270" anchor="ctr" anchorCtr="0">
-          <a:noAutofit/>
-        </a:bodyPr>
-        <a:lstStyle/>
-        <a:p>
-          <a:pPr lvl="0" algn="l" defTabSz="1244600">
-            <a:lnSpc>
-              <a:spcPct val="90000"/>
-            </a:lnSpc>
-            <a:spcBef>
-              <a:spcPct val="0"/>
-            </a:spcBef>
-            <a:spcAft>
-              <a:spcPct val="35000"/>
-            </a:spcAft>
-          </a:pPr>
-          <a:r>
-            <a:rPr lang="zh-CN" altLang="en-US" sz="2800" kern="1200" dirty="0" smtClean="0"/>
-            <a:t>树形的</a:t>
-          </a:r>
-          <a:r>
-            <a:rPr lang="en-US" altLang="zh-CN" sz="2800" kern="1200" dirty="0" smtClean="0"/>
-            <a:t>Scope</a:t>
-          </a:r>
-          <a:r>
-            <a:rPr lang="zh-CN" altLang="en-US" sz="2800" kern="1200" dirty="0" smtClean="0"/>
-            <a:t>，以</a:t>
-          </a:r>
-          <a:r>
-            <a:rPr lang="en-US" altLang="zh-CN" sz="2800" kern="1200" dirty="0" smtClean="0"/>
-            <a:t>$</a:t>
-          </a:r>
-          <a:r>
-            <a:rPr lang="en-US" altLang="zh-CN" sz="2800" kern="1200" dirty="0" err="1" smtClean="0"/>
-            <a:t>rootScope</a:t>
-          </a:r>
-          <a:r>
-            <a:rPr lang="zh-CN" altLang="en-US" sz="2800" kern="1200" dirty="0" smtClean="0"/>
-            <a:t>为根，原型链继承</a:t>
-          </a:r>
-          <a:endParaRPr lang="zh-CN" altLang="en-US" sz="2800" kern="1200" dirty="0"/>
-        </a:p>
-      </dsp:txBody>
-      <dsp:txXfrm>
-        <a:off x="439863" y="298404"/>
-        <a:ext cx="8104145" cy="597120"/>
-      </dsp:txXfrm>
-    </dsp:sp>
-    <dsp:sp modelId="{54CD9B97-E194-4ED6-BE77-845F2D78C60F}">
-      <dsp:nvSpPr>
-        <dsp:cNvPr id="0" name=""/>
-        <dsp:cNvSpPr/>
-      </dsp:nvSpPr>
-      <dsp:spPr>
-        <a:xfrm>
-          <a:off x="66662" y="223764"/>
-          <a:ext cx="746400" cy="746400"/>
-        </a:xfrm>
-        <a:prstGeom prst="ellipse">
-          <a:avLst/>
-        </a:prstGeom>
-        <a:solidFill>
-          <a:schemeClr val="lt1">
-            <a:hueOff val="0"/>
-            <a:satOff val="0"/>
-            <a:lumOff val="0"/>
-            <a:alphaOff val="0"/>
-          </a:schemeClr>
-        </a:solidFill>
-        <a:ln w="19050" cap="rnd" cmpd="sng" algn="ctr">
-          <a:solidFill>
-            <a:schemeClr val="accent1">
-              <a:hueOff val="0"/>
-              <a:satOff val="0"/>
-              <a:lumOff val="0"/>
-              <a:alphaOff val="0"/>
-            </a:schemeClr>
-          </a:solidFill>
-          <a:prstDash val="solid"/>
-        </a:ln>
-        <a:effectLst/>
-      </dsp:spPr>
-      <dsp:style>
-        <a:lnRef idx="2">
-          <a:scrgbClr r="0" g="0" b="0"/>
-        </a:lnRef>
-        <a:fillRef idx="1">
-          <a:scrgbClr r="0" g="0" b="0"/>
-        </a:fillRef>
-        <a:effectRef idx="0">
-          <a:scrgbClr r="0" g="0" b="0"/>
-        </a:effectRef>
-        <a:fontRef idx="minor"/>
-      </dsp:style>
-    </dsp:sp>
-    <dsp:sp modelId="{202D5111-E3E0-4319-931E-49CCE680C07C}">
-      <dsp:nvSpPr>
-        <dsp:cNvPr id="0" name=""/>
-        <dsp:cNvSpPr/>
-      </dsp:nvSpPr>
-      <dsp:spPr>
-        <a:xfrm>
-          <a:off x="782205" y="1194240"/>
-          <a:ext cx="7761803" cy="597120"/>
-        </a:xfrm>
-        <a:prstGeom prst="rect">
-          <a:avLst/>
-        </a:prstGeom>
-        <a:solidFill>
-          <a:schemeClr val="accent1">
-            <a:hueOff val="0"/>
-            <a:satOff val="0"/>
-            <a:lumOff val="0"/>
-            <a:alphaOff val="0"/>
-          </a:schemeClr>
-        </a:solidFill>
-        <a:ln w="19050" cap="rnd" cmpd="sng" algn="ctr">
-          <a:solidFill>
-            <a:schemeClr val="lt1">
-              <a:hueOff val="0"/>
-              <a:satOff val="0"/>
-              <a:lumOff val="0"/>
-              <a:alphaOff val="0"/>
-            </a:schemeClr>
-          </a:solidFill>
-          <a:prstDash val="solid"/>
-        </a:ln>
-        <a:effectLst/>
-      </dsp:spPr>
-      <dsp:style>
-        <a:lnRef idx="2">
-          <a:scrgbClr r="0" g="0" b="0"/>
-        </a:lnRef>
-        <a:fillRef idx="1">
-          <a:scrgbClr r="0" g="0" b="0"/>
-        </a:fillRef>
-        <a:effectRef idx="0">
-          <a:scrgbClr r="0" g="0" b="0"/>
-        </a:effectRef>
-        <a:fontRef idx="minor">
-          <a:schemeClr val="lt1"/>
-        </a:fontRef>
-      </dsp:style>
-      <dsp:txBody>
-        <a:bodyPr spcFirstLastPara="0" vert="horz" wrap="square" lIns="473964" tIns="71120" rIns="71120" bIns="71120" numCol="1" spcCol="1270" anchor="ctr" anchorCtr="0">
-          <a:noAutofit/>
-        </a:bodyPr>
-        <a:lstStyle/>
-        <a:p>
-          <a:pPr lvl="0" algn="l" defTabSz="1244600">
-            <a:lnSpc>
-              <a:spcPct val="90000"/>
-            </a:lnSpc>
-            <a:spcBef>
-              <a:spcPct val="0"/>
-            </a:spcBef>
-            <a:spcAft>
-              <a:spcPct val="35000"/>
-            </a:spcAft>
-          </a:pPr>
-          <a:r>
-            <a:rPr lang="zh-CN" altLang="en-US" sz="2800" kern="1200" dirty="0" smtClean="0"/>
-            <a:t>控制器中</a:t>
-          </a:r>
-          <a:r>
-            <a:rPr lang="en-US" altLang="zh-CN" sz="2800" kern="1200" dirty="0" smtClean="0"/>
-            <a:t>DOM</a:t>
-          </a:r>
-          <a:r>
-            <a:rPr lang="zh-CN" altLang="en-US" sz="2800" kern="1200" dirty="0" smtClean="0"/>
-            <a:t>、</a:t>
-          </a:r>
-          <a:r>
-            <a:rPr lang="en-US" altLang="zh-CN" sz="2800" kern="1200" dirty="0" smtClean="0"/>
-            <a:t>Controller</a:t>
-          </a:r>
-          <a:r>
-            <a:rPr lang="zh-CN" altLang="en-US" sz="2800" kern="1200" dirty="0" smtClean="0"/>
-            <a:t>和</a:t>
-          </a:r>
-          <a:r>
-            <a:rPr lang="en-US" altLang="zh-CN" sz="2800" kern="1200" dirty="0" smtClean="0"/>
-            <a:t>Scope</a:t>
-          </a:r>
-          <a:r>
-            <a:rPr lang="zh-CN" altLang="en-US" sz="2800" kern="1200" dirty="0" smtClean="0"/>
-            <a:t>一一对应</a:t>
-          </a:r>
-          <a:endParaRPr lang="zh-CN" altLang="en-US" sz="2800" kern="1200" dirty="0"/>
-        </a:p>
-      </dsp:txBody>
-      <dsp:txXfrm>
-        <a:off x="782205" y="1194240"/>
-        <a:ext cx="7761803" cy="597120"/>
-      </dsp:txXfrm>
-    </dsp:sp>
-    <dsp:sp modelId="{7B590C82-98A4-4A51-8ADC-45FEF66C75D4}">
-      <dsp:nvSpPr>
-        <dsp:cNvPr id="0" name=""/>
-        <dsp:cNvSpPr/>
-      </dsp:nvSpPr>
-      <dsp:spPr>
-        <a:xfrm>
-          <a:off x="409005" y="1119600"/>
-          <a:ext cx="746400" cy="746400"/>
-        </a:xfrm>
-        <a:prstGeom prst="ellipse">
-          <a:avLst/>
-        </a:prstGeom>
-        <a:solidFill>
-          <a:schemeClr val="lt1">
-            <a:hueOff val="0"/>
-            <a:satOff val="0"/>
-            <a:lumOff val="0"/>
-            <a:alphaOff val="0"/>
-          </a:schemeClr>
-        </a:solidFill>
-        <a:ln w="19050" cap="rnd" cmpd="sng" algn="ctr">
-          <a:solidFill>
-            <a:schemeClr val="accent1">
-              <a:hueOff val="0"/>
-              <a:satOff val="0"/>
-              <a:lumOff val="0"/>
-              <a:alphaOff val="0"/>
-            </a:schemeClr>
-          </a:solidFill>
-          <a:prstDash val="solid"/>
-        </a:ln>
-        <a:effectLst/>
-      </dsp:spPr>
-      <dsp:style>
-        <a:lnRef idx="2">
-          <a:scrgbClr r="0" g="0" b="0"/>
-        </a:lnRef>
-        <a:fillRef idx="1">
-          <a:scrgbClr r="0" g="0" b="0"/>
-        </a:fillRef>
-        <a:effectRef idx="0">
-          <a:scrgbClr r="0" g="0" b="0"/>
-        </a:effectRef>
-        <a:fontRef idx="minor"/>
-      </dsp:style>
-    </dsp:sp>
-    <dsp:sp modelId="{3B820903-07B3-40C1-B1CB-205F35CBE938}">
-      <dsp:nvSpPr>
-        <dsp:cNvPr id="0" name=""/>
-        <dsp:cNvSpPr/>
-      </dsp:nvSpPr>
-      <dsp:spPr>
-        <a:xfrm>
-          <a:off x="782205" y="2090076"/>
-          <a:ext cx="7761803" cy="597120"/>
-        </a:xfrm>
-        <a:prstGeom prst="rect">
-          <a:avLst/>
-        </a:prstGeom>
-        <a:solidFill>
-          <a:schemeClr val="accent1">
-            <a:hueOff val="0"/>
-            <a:satOff val="0"/>
-            <a:lumOff val="0"/>
-            <a:alphaOff val="0"/>
-          </a:schemeClr>
-        </a:solidFill>
-        <a:ln w="19050" cap="rnd" cmpd="sng" algn="ctr">
-          <a:solidFill>
-            <a:schemeClr val="lt1">
-              <a:hueOff val="0"/>
-              <a:satOff val="0"/>
-              <a:lumOff val="0"/>
-              <a:alphaOff val="0"/>
-            </a:schemeClr>
-          </a:solidFill>
-          <a:prstDash val="solid"/>
-        </a:ln>
-        <a:effectLst/>
-      </dsp:spPr>
-      <dsp:style>
-        <a:lnRef idx="2">
-          <a:scrgbClr r="0" g="0" b="0"/>
-        </a:lnRef>
-        <a:fillRef idx="1">
-          <a:scrgbClr r="0" g="0" b="0"/>
-        </a:fillRef>
-        <a:effectRef idx="0">
-          <a:scrgbClr r="0" g="0" b="0"/>
-        </a:effectRef>
-        <a:fontRef idx="minor">
-          <a:schemeClr val="lt1"/>
-        </a:fontRef>
-      </dsp:style>
-      <dsp:txBody>
-        <a:bodyPr spcFirstLastPara="0" vert="horz" wrap="square" lIns="473964" tIns="71120" rIns="71120" bIns="71120" numCol="1" spcCol="1270" anchor="ctr" anchorCtr="0">
-          <a:noAutofit/>
-        </a:bodyPr>
-        <a:lstStyle/>
-        <a:p>
-          <a:pPr lvl="0" algn="l" defTabSz="1244600">
-            <a:lnSpc>
-              <a:spcPct val="90000"/>
-            </a:lnSpc>
-            <a:spcBef>
-              <a:spcPct val="0"/>
-            </a:spcBef>
-            <a:spcAft>
-              <a:spcPct val="35000"/>
-            </a:spcAft>
-          </a:pPr>
-          <a:r>
-            <a:rPr lang="zh-CN" altLang="en-US" sz="2800" kern="1200" dirty="0" smtClean="0"/>
-            <a:t>指令中</a:t>
-          </a:r>
-          <a:r>
-            <a:rPr lang="en-US" altLang="zh-CN" sz="2800" kern="1200" dirty="0" smtClean="0"/>
-            <a:t>DOM</a:t>
-          </a:r>
-          <a:r>
-            <a:rPr lang="zh-CN" altLang="en-US" sz="2800" kern="1200" dirty="0" smtClean="0"/>
-            <a:t>和</a:t>
-          </a:r>
-          <a:r>
-            <a:rPr lang="en-US" altLang="zh-CN" sz="2800" kern="1200" dirty="0" smtClean="0"/>
-            <a:t>Scope</a:t>
-          </a:r>
-          <a:r>
-            <a:rPr lang="zh-CN" altLang="en-US" sz="2800" kern="1200" dirty="0" smtClean="0"/>
-            <a:t>不完全一一对应</a:t>
-          </a:r>
-          <a:endParaRPr lang="zh-CN" altLang="en-US" sz="2800" kern="1200" dirty="0"/>
-        </a:p>
-      </dsp:txBody>
-      <dsp:txXfrm>
-        <a:off x="782205" y="2090076"/>
-        <a:ext cx="7761803" cy="597120"/>
-      </dsp:txXfrm>
-    </dsp:sp>
-    <dsp:sp modelId="{99BA0093-ED4E-4CF5-BA6C-C9214384D4B0}">
-      <dsp:nvSpPr>
-        <dsp:cNvPr id="0" name=""/>
-        <dsp:cNvSpPr/>
-      </dsp:nvSpPr>
-      <dsp:spPr>
-        <a:xfrm>
-          <a:off x="409005" y="2015436"/>
-          <a:ext cx="746400" cy="746400"/>
-        </a:xfrm>
-        <a:prstGeom prst="ellipse">
-          <a:avLst/>
-        </a:prstGeom>
-        <a:solidFill>
-          <a:schemeClr val="lt1">
-            <a:hueOff val="0"/>
-            <a:satOff val="0"/>
-            <a:lumOff val="0"/>
-            <a:alphaOff val="0"/>
-          </a:schemeClr>
-        </a:solidFill>
-        <a:ln w="19050" cap="rnd" cmpd="sng" algn="ctr">
-          <a:solidFill>
-            <a:schemeClr val="accent1">
-              <a:hueOff val="0"/>
-              <a:satOff val="0"/>
-              <a:lumOff val="0"/>
-              <a:alphaOff val="0"/>
-            </a:schemeClr>
-          </a:solidFill>
-          <a:prstDash val="solid"/>
-        </a:ln>
-        <a:effectLst/>
-      </dsp:spPr>
-      <dsp:style>
-        <a:lnRef idx="2">
-          <a:scrgbClr r="0" g="0" b="0"/>
-        </a:lnRef>
-        <a:fillRef idx="1">
-          <a:scrgbClr r="0" g="0" b="0"/>
-        </a:fillRef>
-        <a:effectRef idx="0">
-          <a:scrgbClr r="0" g="0" b="0"/>
-        </a:effectRef>
-        <a:fontRef idx="minor"/>
-      </dsp:style>
-    </dsp:sp>
-    <dsp:sp modelId="{7D040897-861B-4FEA-B2D6-A8BA1E549652}">
-      <dsp:nvSpPr>
-        <dsp:cNvPr id="0" name=""/>
-        <dsp:cNvSpPr/>
-      </dsp:nvSpPr>
-      <dsp:spPr>
-        <a:xfrm>
-          <a:off x="439863" y="2985911"/>
-          <a:ext cx="8104145" cy="597120"/>
-        </a:xfrm>
-        <a:prstGeom prst="rect">
-          <a:avLst/>
-        </a:prstGeom>
-        <a:solidFill>
-          <a:schemeClr val="accent1">
-            <a:hueOff val="0"/>
-            <a:satOff val="0"/>
-            <a:lumOff val="0"/>
-            <a:alphaOff val="0"/>
-          </a:schemeClr>
-        </a:solidFill>
-        <a:ln w="19050" cap="rnd" cmpd="sng" algn="ctr">
-          <a:solidFill>
-            <a:schemeClr val="lt1">
-              <a:hueOff val="0"/>
-              <a:satOff val="0"/>
-              <a:lumOff val="0"/>
-              <a:alphaOff val="0"/>
-            </a:schemeClr>
-          </a:solidFill>
-          <a:prstDash val="solid"/>
-        </a:ln>
-        <a:effectLst/>
-      </dsp:spPr>
-      <dsp:style>
-        <a:lnRef idx="2">
-          <a:scrgbClr r="0" g="0" b="0"/>
-        </a:lnRef>
-        <a:fillRef idx="1">
-          <a:scrgbClr r="0" g="0" b="0"/>
-        </a:fillRef>
-        <a:effectRef idx="0">
-          <a:scrgbClr r="0" g="0" b="0"/>
-        </a:effectRef>
-        <a:fontRef idx="minor">
-          <a:schemeClr val="lt1"/>
-        </a:fontRef>
-      </dsp:style>
-      <dsp:txBody>
-        <a:bodyPr spcFirstLastPara="0" vert="horz" wrap="square" lIns="473964" tIns="71120" rIns="71120" bIns="71120" numCol="1" spcCol="1270" anchor="ctr" anchorCtr="0">
-          <a:noAutofit/>
-        </a:bodyPr>
-        <a:lstStyle/>
-        <a:p>
-          <a:pPr lvl="0" algn="l" defTabSz="1244600">
-            <a:lnSpc>
-              <a:spcPct val="90000"/>
-            </a:lnSpc>
-            <a:spcBef>
-              <a:spcPct val="0"/>
-            </a:spcBef>
-            <a:spcAft>
-              <a:spcPct val="35000"/>
-            </a:spcAft>
-          </a:pPr>
-          <a:r>
-            <a:rPr lang="zh-CN" altLang="en-US" sz="2800" kern="1200" dirty="0" smtClean="0"/>
-            <a:t>指令是</a:t>
-          </a:r>
-          <a:r>
-            <a:rPr lang="en-US" altLang="zh-CN" sz="2800" kern="1200" dirty="0" smtClean="0"/>
-            <a:t>Composite</a:t>
-          </a:r>
-          <a:r>
-            <a:rPr lang="zh-CN" altLang="en-US" sz="2800" kern="1200" dirty="0" smtClean="0"/>
-            <a:t>模式，相互嵌套</a:t>
-          </a:r>
-          <a:endParaRPr lang="zh-CN" altLang="en-US" sz="2800" kern="1200" dirty="0"/>
-        </a:p>
-      </dsp:txBody>
-      <dsp:txXfrm>
-        <a:off x="439863" y="2985911"/>
-        <a:ext cx="8104145" cy="597120"/>
-      </dsp:txXfrm>
-    </dsp:sp>
-    <dsp:sp modelId="{862943DC-8257-4FF3-A409-B8DADF9C929A}">
-      <dsp:nvSpPr>
-        <dsp:cNvPr id="0" name=""/>
-        <dsp:cNvSpPr/>
-      </dsp:nvSpPr>
-      <dsp:spPr>
-        <a:xfrm>
-          <a:off x="66662" y="2911271"/>
-          <a:ext cx="746400" cy="746400"/>
-        </a:xfrm>
-        <a:prstGeom prst="ellipse">
-          <a:avLst/>
-        </a:prstGeom>
-        <a:solidFill>
-          <a:schemeClr val="lt1">
-            <a:hueOff val="0"/>
-            <a:satOff val="0"/>
-            <a:lumOff val="0"/>
-            <a:alphaOff val="0"/>
-          </a:schemeClr>
-        </a:solidFill>
-        <a:ln w="19050" cap="rnd" cmpd="sng" algn="ctr">
-          <a:solidFill>
-            <a:schemeClr val="accent1">
-              <a:hueOff val="0"/>
-              <a:satOff val="0"/>
-              <a:lumOff val="0"/>
-              <a:alphaOff val="0"/>
-            </a:schemeClr>
-          </a:solidFill>
-          <a:prstDash val="solid"/>
-        </a:ln>
-        <a:effectLst/>
-      </dsp:spPr>
-      <dsp:style>
-        <a:lnRef idx="2">
-          <a:scrgbClr r="0" g="0" b="0"/>
-        </a:lnRef>
-        <a:fillRef idx="1">
-          <a:scrgbClr r="0" g="0" b="0"/>
-        </a:fillRef>
-        <a:effectRef idx="0">
-          <a:scrgbClr r="0" g="0" b="0"/>
-        </a:effectRef>
-        <a:fontRef idx="minor"/>
-      </dsp:style>
-    </dsp:sp>
   </dsp:spTree>
 </dsp:drawing>
 </file>
@@ -8495,482 +7443,6 @@
       <dsp:cNvGrpSpPr/>
     </dsp:nvGrpSpPr>
     <dsp:grpSpPr/>
-    <dsp:sp modelId="{38B482E9-7FFF-4A1D-A008-E2FECF08D637}">
-      <dsp:nvSpPr>
-        <dsp:cNvPr id="0" name=""/>
-        <dsp:cNvSpPr/>
-      </dsp:nvSpPr>
-      <dsp:spPr>
-        <a:xfrm>
-          <a:off x="0" y="69601"/>
-          <a:ext cx="5936105" cy="720720"/>
-        </a:xfrm>
-        <a:prstGeom prst="roundRect">
-          <a:avLst/>
-        </a:prstGeom>
-        <a:solidFill>
-          <a:schemeClr val="accent1">
-            <a:hueOff val="0"/>
-            <a:satOff val="0"/>
-            <a:lumOff val="0"/>
-            <a:alphaOff val="0"/>
-          </a:schemeClr>
-        </a:solidFill>
-        <a:ln w="19050" cap="rnd" cmpd="sng" algn="ctr">
-          <a:solidFill>
-            <a:schemeClr val="lt1">
-              <a:hueOff val="0"/>
-              <a:satOff val="0"/>
-              <a:lumOff val="0"/>
-              <a:alphaOff val="0"/>
-            </a:schemeClr>
-          </a:solidFill>
-          <a:prstDash val="solid"/>
-        </a:ln>
-        <a:effectLst/>
-      </dsp:spPr>
-      <dsp:style>
-        <a:lnRef idx="2">
-          <a:scrgbClr r="0" g="0" b="0"/>
-        </a:lnRef>
-        <a:fillRef idx="1">
-          <a:scrgbClr r="0" g="0" b="0"/>
-        </a:fillRef>
-        <a:effectRef idx="0">
-          <a:scrgbClr r="0" g="0" b="0"/>
-        </a:effectRef>
-        <a:fontRef idx="minor">
-          <a:schemeClr val="lt1"/>
-        </a:fontRef>
-      </dsp:style>
-      <dsp:txBody>
-        <a:bodyPr spcFirstLastPara="0" vert="horz" wrap="square" lIns="106680" tIns="106680" rIns="106680" bIns="106680" numCol="1" spcCol="1270" anchor="ctr" anchorCtr="0">
-          <a:noAutofit/>
-        </a:bodyPr>
-        <a:lstStyle/>
-        <a:p>
-          <a:pPr lvl="0" algn="l" defTabSz="1244600">
-            <a:lnSpc>
-              <a:spcPct val="90000"/>
-            </a:lnSpc>
-            <a:spcBef>
-              <a:spcPct val="0"/>
-            </a:spcBef>
-            <a:spcAft>
-              <a:spcPct val="35000"/>
-            </a:spcAft>
-          </a:pPr>
-          <a:r>
-            <a:rPr lang="zh-CN" altLang="en-US" sz="2800" kern="1200" dirty="0" smtClean="0"/>
-            <a:t>浏览器把静态</a:t>
-          </a:r>
-          <a:r>
-            <a:rPr lang="en-US" altLang="zh-CN" sz="2800" kern="1200" dirty="0" smtClean="0"/>
-            <a:t>HTML</a:t>
-          </a:r>
-          <a:r>
-            <a:rPr lang="zh-CN" altLang="en-US" sz="2800" kern="1200" dirty="0" smtClean="0"/>
-            <a:t>加载为</a:t>
-          </a:r>
-          <a:r>
-            <a:rPr lang="en-US" altLang="zh-CN" sz="2800" kern="1200" dirty="0" smtClean="0"/>
-            <a:t>DOM</a:t>
-          </a:r>
-          <a:r>
-            <a:rPr lang="zh-CN" altLang="en-US" sz="2800" kern="1200" dirty="0" smtClean="0"/>
-            <a:t>树</a:t>
-          </a:r>
-          <a:endParaRPr lang="zh-CN" altLang="en-US" sz="2800" kern="1200" dirty="0"/>
-        </a:p>
-      </dsp:txBody>
-      <dsp:txXfrm>
-        <a:off x="35183" y="104784"/>
-        <a:ext cx="5865739" cy="650354"/>
-      </dsp:txXfrm>
-    </dsp:sp>
-    <dsp:sp modelId="{4E530AC5-99AE-419A-BFCE-20D7DD917EE7}">
-      <dsp:nvSpPr>
-        <dsp:cNvPr id="0" name=""/>
-        <dsp:cNvSpPr/>
-      </dsp:nvSpPr>
-      <dsp:spPr>
-        <a:xfrm>
-          <a:off x="0" y="870961"/>
-          <a:ext cx="5936105" cy="720720"/>
-        </a:xfrm>
-        <a:prstGeom prst="roundRect">
-          <a:avLst/>
-        </a:prstGeom>
-        <a:solidFill>
-          <a:schemeClr val="accent1">
-            <a:hueOff val="0"/>
-            <a:satOff val="0"/>
-            <a:lumOff val="0"/>
-            <a:alphaOff val="0"/>
-          </a:schemeClr>
-        </a:solidFill>
-        <a:ln w="19050" cap="rnd" cmpd="sng" algn="ctr">
-          <a:solidFill>
-            <a:schemeClr val="lt1">
-              <a:hueOff val="0"/>
-              <a:satOff val="0"/>
-              <a:lumOff val="0"/>
-              <a:alphaOff val="0"/>
-            </a:schemeClr>
-          </a:solidFill>
-          <a:prstDash val="solid"/>
-        </a:ln>
-        <a:effectLst/>
-      </dsp:spPr>
-      <dsp:style>
-        <a:lnRef idx="2">
-          <a:scrgbClr r="0" g="0" b="0"/>
-        </a:lnRef>
-        <a:fillRef idx="1">
-          <a:scrgbClr r="0" g="0" b="0"/>
-        </a:fillRef>
-        <a:effectRef idx="0">
-          <a:scrgbClr r="0" g="0" b="0"/>
-        </a:effectRef>
-        <a:fontRef idx="minor">
-          <a:schemeClr val="lt1"/>
-        </a:fontRef>
-      </dsp:style>
-      <dsp:txBody>
-        <a:bodyPr spcFirstLastPara="0" vert="horz" wrap="square" lIns="106680" tIns="106680" rIns="106680" bIns="106680" numCol="1" spcCol="1270" anchor="ctr" anchorCtr="0">
-          <a:noAutofit/>
-        </a:bodyPr>
-        <a:lstStyle/>
-        <a:p>
-          <a:pPr lvl="0" algn="l" defTabSz="1244600">
-            <a:lnSpc>
-              <a:spcPct val="90000"/>
-            </a:lnSpc>
-            <a:spcBef>
-              <a:spcPct val="0"/>
-            </a:spcBef>
-            <a:spcAft>
-              <a:spcPct val="35000"/>
-            </a:spcAft>
-          </a:pPr>
-          <a:r>
-            <a:rPr lang="zh-CN" altLang="en-US" sz="2800" kern="1200" dirty="0" smtClean="0"/>
-            <a:t>把静态</a:t>
-          </a:r>
-          <a:r>
-            <a:rPr lang="en-US" altLang="zh-CN" sz="2800" kern="1200" dirty="0" smtClean="0"/>
-            <a:t>DOM</a:t>
-          </a:r>
-          <a:r>
-            <a:rPr lang="zh-CN" altLang="en-US" sz="2800" kern="1200" dirty="0" smtClean="0"/>
-            <a:t>树编译为动态</a:t>
-          </a:r>
-          <a:r>
-            <a:rPr lang="en-US" altLang="zh-CN" sz="2800" kern="1200" dirty="0" smtClean="0"/>
-            <a:t>DOM</a:t>
-          </a:r>
-          <a:r>
-            <a:rPr lang="zh-CN" altLang="en-US" sz="2800" kern="1200" dirty="0" smtClean="0"/>
-            <a:t>树</a:t>
-          </a:r>
-          <a:endParaRPr lang="zh-CN" altLang="en-US" sz="2800" kern="1200" dirty="0"/>
-        </a:p>
-      </dsp:txBody>
-      <dsp:txXfrm>
-        <a:off x="35183" y="906144"/>
-        <a:ext cx="5865739" cy="650354"/>
-      </dsp:txXfrm>
-    </dsp:sp>
-    <dsp:sp modelId="{47231572-697A-49F6-8AD2-015D8F9BE216}">
-      <dsp:nvSpPr>
-        <dsp:cNvPr id="0" name=""/>
-        <dsp:cNvSpPr/>
-      </dsp:nvSpPr>
-      <dsp:spPr>
-        <a:xfrm>
-          <a:off x="0" y="1591681"/>
-          <a:ext cx="5936105" cy="825930"/>
-        </a:xfrm>
-        <a:prstGeom prst="rect">
-          <a:avLst/>
-        </a:prstGeom>
-        <a:noFill/>
-        <a:ln>
-          <a:noFill/>
-        </a:ln>
-        <a:effectLst/>
-      </dsp:spPr>
-      <dsp:style>
-        <a:lnRef idx="0">
-          <a:scrgbClr r="0" g="0" b="0"/>
-        </a:lnRef>
-        <a:fillRef idx="0">
-          <a:scrgbClr r="0" g="0" b="0"/>
-        </a:fillRef>
-        <a:effectRef idx="0">
-          <a:scrgbClr r="0" g="0" b="0"/>
-        </a:effectRef>
-        <a:fontRef idx="minor"/>
-      </dsp:style>
-      <dsp:txBody>
-        <a:bodyPr spcFirstLastPara="0" vert="horz" wrap="square" lIns="188471" tIns="35560" rIns="199136" bIns="35560" numCol="1" spcCol="1270" anchor="t" anchorCtr="0">
-          <a:noAutofit/>
-        </a:bodyPr>
-        <a:lstStyle/>
-        <a:p>
-          <a:pPr marL="228600" lvl="1" indent="-228600" algn="l" defTabSz="977900">
-            <a:lnSpc>
-              <a:spcPct val="90000"/>
-            </a:lnSpc>
-            <a:spcBef>
-              <a:spcPct val="0"/>
-            </a:spcBef>
-            <a:spcAft>
-              <a:spcPct val="20000"/>
-            </a:spcAft>
-            <a:buChar char="••"/>
-          </a:pPr>
-          <a:r>
-            <a:rPr lang="zh-CN" altLang="en-US" sz="2200" kern="1200" dirty="0" smtClean="0"/>
-            <a:t>建立</a:t>
-          </a:r>
-          <a:r>
-            <a:rPr lang="en-US" altLang="zh-CN" sz="2200" kern="1200" dirty="0" smtClean="0"/>
-            <a:t>{Scope: DOM</a:t>
-          </a:r>
-          <a:r>
-            <a:rPr lang="zh-CN" altLang="en-US" sz="2200" kern="1200" dirty="0" smtClean="0"/>
-            <a:t>节点</a:t>
-          </a:r>
-          <a:r>
-            <a:rPr lang="en-US" altLang="zh-CN" sz="2200" kern="1200" dirty="0" smtClean="0"/>
-            <a:t>}</a:t>
-          </a:r>
-          <a:r>
-            <a:rPr lang="zh-CN" altLang="en-US" sz="2200" kern="1200" dirty="0" smtClean="0"/>
-            <a:t>的映射表</a:t>
-          </a:r>
-          <a:endParaRPr lang="zh-CN" altLang="en-US" sz="2200" kern="1200" dirty="0"/>
-        </a:p>
-        <a:p>
-          <a:pPr marL="228600" lvl="1" indent="-228600" algn="l" defTabSz="977900">
-            <a:lnSpc>
-              <a:spcPct val="90000"/>
-            </a:lnSpc>
-            <a:spcBef>
-              <a:spcPct val="0"/>
-            </a:spcBef>
-            <a:spcAft>
-              <a:spcPct val="20000"/>
-            </a:spcAft>
-            <a:buChar char="••"/>
-          </a:pPr>
-          <a:r>
-            <a:rPr lang="zh-CN" altLang="en-US" sz="2200" kern="1200" dirty="0" smtClean="0"/>
-            <a:t>建立</a:t>
-          </a:r>
-          <a:r>
-            <a:rPr lang="en-US" altLang="zh-CN" sz="2200" kern="1200" dirty="0" smtClean="0"/>
-            <a:t>{DOM</a:t>
-          </a:r>
-          <a:r>
-            <a:rPr lang="zh-CN" altLang="en-US" sz="2200" kern="1200" dirty="0" smtClean="0"/>
-            <a:t>事件</a:t>
-          </a:r>
-          <a:r>
-            <a:rPr lang="en-US" altLang="zh-CN" sz="2200" kern="1200" dirty="0" smtClean="0"/>
-            <a:t>: ng</a:t>
-          </a:r>
-          <a:r>
-            <a:rPr lang="zh-CN" altLang="en-US" sz="2200" kern="1200" dirty="0" smtClean="0"/>
-            <a:t>回调 </a:t>
-          </a:r>
-          <a:r>
-            <a:rPr lang="en-US" altLang="zh-CN" sz="2200" kern="1200" dirty="0" smtClean="0"/>
-            <a:t>}</a:t>
-          </a:r>
-          <a:r>
-            <a:rPr lang="zh-CN" altLang="en-US" sz="2200" kern="1200" dirty="0" smtClean="0"/>
-            <a:t>的映射表</a:t>
-          </a:r>
-          <a:endParaRPr lang="zh-CN" altLang="en-US" sz="2200" kern="1200" dirty="0"/>
-        </a:p>
-      </dsp:txBody>
-      <dsp:txXfrm>
-        <a:off x="0" y="1591681"/>
-        <a:ext cx="5936105" cy="825930"/>
-      </dsp:txXfrm>
-    </dsp:sp>
-    <dsp:sp modelId="{7FEC8E52-E47F-4B3B-A669-2DB6E87BF654}">
-      <dsp:nvSpPr>
-        <dsp:cNvPr id="0" name=""/>
-        <dsp:cNvSpPr/>
-      </dsp:nvSpPr>
-      <dsp:spPr>
-        <a:xfrm>
-          <a:off x="0" y="2417611"/>
-          <a:ext cx="5936105" cy="720720"/>
-        </a:xfrm>
-        <a:prstGeom prst="roundRect">
-          <a:avLst/>
-        </a:prstGeom>
-        <a:solidFill>
-          <a:schemeClr val="accent1">
-            <a:hueOff val="0"/>
-            <a:satOff val="0"/>
-            <a:lumOff val="0"/>
-            <a:alphaOff val="0"/>
-          </a:schemeClr>
-        </a:solidFill>
-        <a:ln w="19050" cap="rnd" cmpd="sng" algn="ctr">
-          <a:solidFill>
-            <a:schemeClr val="lt1">
-              <a:hueOff val="0"/>
-              <a:satOff val="0"/>
-              <a:lumOff val="0"/>
-              <a:alphaOff val="0"/>
-            </a:schemeClr>
-          </a:solidFill>
-          <a:prstDash val="solid"/>
-        </a:ln>
-        <a:effectLst/>
-      </dsp:spPr>
-      <dsp:style>
-        <a:lnRef idx="2">
-          <a:scrgbClr r="0" g="0" b="0"/>
-        </a:lnRef>
-        <a:fillRef idx="1">
-          <a:scrgbClr r="0" g="0" b="0"/>
-        </a:fillRef>
-        <a:effectRef idx="0">
-          <a:scrgbClr r="0" g="0" b="0"/>
-        </a:effectRef>
-        <a:fontRef idx="minor">
-          <a:schemeClr val="lt1"/>
-        </a:fontRef>
-      </dsp:style>
-      <dsp:txBody>
-        <a:bodyPr spcFirstLastPara="0" vert="horz" wrap="square" lIns="106680" tIns="106680" rIns="106680" bIns="106680" numCol="1" spcCol="1270" anchor="ctr" anchorCtr="0">
-          <a:noAutofit/>
-        </a:bodyPr>
-        <a:lstStyle/>
-        <a:p>
-          <a:pPr lvl="0" algn="l" defTabSz="1244600">
-            <a:lnSpc>
-              <a:spcPct val="90000"/>
-            </a:lnSpc>
-            <a:spcBef>
-              <a:spcPct val="0"/>
-            </a:spcBef>
-            <a:spcAft>
-              <a:spcPct val="35000"/>
-            </a:spcAft>
-          </a:pPr>
-          <a:r>
-            <a:rPr lang="zh-CN" altLang="en-US" sz="2800" kern="1200" dirty="0" smtClean="0"/>
-            <a:t>在</a:t>
-          </a:r>
-          <a:r>
-            <a:rPr lang="en-US" altLang="zh-CN" sz="2800" kern="1200" dirty="0" smtClean="0"/>
-            <a:t>Digest</a:t>
-          </a:r>
-          <a:r>
-            <a:rPr lang="zh-CN" altLang="en-US" sz="2800" kern="1200" dirty="0" smtClean="0"/>
-            <a:t>循环中检测数据变化</a:t>
-          </a:r>
-          <a:endParaRPr lang="zh-CN" altLang="en-US" sz="2800" kern="1200" dirty="0"/>
-        </a:p>
-      </dsp:txBody>
-      <dsp:txXfrm>
-        <a:off x="35183" y="2452794"/>
-        <a:ext cx="5865739" cy="650354"/>
-      </dsp:txXfrm>
-    </dsp:sp>
-    <dsp:sp modelId="{A29A0422-A024-4900-9961-237897D2BAAB}">
-      <dsp:nvSpPr>
-        <dsp:cNvPr id="0" name=""/>
-        <dsp:cNvSpPr/>
-      </dsp:nvSpPr>
-      <dsp:spPr>
-        <a:xfrm>
-          <a:off x="0" y="3218970"/>
-          <a:ext cx="5936105" cy="720720"/>
-        </a:xfrm>
-        <a:prstGeom prst="roundRect">
-          <a:avLst/>
-        </a:prstGeom>
-        <a:solidFill>
-          <a:schemeClr val="accent1">
-            <a:hueOff val="0"/>
-            <a:satOff val="0"/>
-            <a:lumOff val="0"/>
-            <a:alphaOff val="0"/>
-          </a:schemeClr>
-        </a:solidFill>
-        <a:ln w="19050" cap="rnd" cmpd="sng" algn="ctr">
-          <a:solidFill>
-            <a:schemeClr val="lt1">
-              <a:hueOff val="0"/>
-              <a:satOff val="0"/>
-              <a:lumOff val="0"/>
-              <a:alphaOff val="0"/>
-            </a:schemeClr>
-          </a:solidFill>
-          <a:prstDash val="solid"/>
-        </a:ln>
-        <a:effectLst/>
-      </dsp:spPr>
-      <dsp:style>
-        <a:lnRef idx="2">
-          <a:scrgbClr r="0" g="0" b="0"/>
-        </a:lnRef>
-        <a:fillRef idx="1">
-          <a:scrgbClr r="0" g="0" b="0"/>
-        </a:fillRef>
-        <a:effectRef idx="0">
-          <a:scrgbClr r="0" g="0" b="0"/>
-        </a:effectRef>
-        <a:fontRef idx="minor">
-          <a:schemeClr val="lt1"/>
-        </a:fontRef>
-      </dsp:style>
-      <dsp:txBody>
-        <a:bodyPr spcFirstLastPara="0" vert="horz" wrap="square" lIns="106680" tIns="106680" rIns="106680" bIns="106680" numCol="1" spcCol="1270" anchor="ctr" anchorCtr="0">
-          <a:noAutofit/>
-        </a:bodyPr>
-        <a:lstStyle/>
-        <a:p>
-          <a:pPr lvl="0" algn="l" defTabSz="1244600">
-            <a:lnSpc>
-              <a:spcPct val="90000"/>
-            </a:lnSpc>
-            <a:spcBef>
-              <a:spcPct val="0"/>
-            </a:spcBef>
-            <a:spcAft>
-              <a:spcPct val="35000"/>
-            </a:spcAft>
-          </a:pPr>
-          <a:r>
-            <a:rPr lang="zh-CN" altLang="en-US" sz="2800" kern="1200" dirty="0" smtClean="0"/>
-            <a:t>更新变化了的</a:t>
-          </a:r>
-          <a:r>
-            <a:rPr lang="en-US" altLang="zh-CN" sz="2800" kern="1200" dirty="0" smtClean="0"/>
-            <a:t>Scope</a:t>
-          </a:r>
-          <a:r>
-            <a:rPr lang="zh-CN" altLang="en-US" sz="2800" kern="1200" dirty="0" smtClean="0"/>
-            <a:t>数据对应的节点</a:t>
-          </a:r>
-          <a:endParaRPr lang="zh-CN" altLang="en-US" sz="2800" kern="1200" dirty="0"/>
-        </a:p>
-      </dsp:txBody>
-      <dsp:txXfrm>
-        <a:off x="35183" y="3254153"/>
-        <a:ext cx="5865739" cy="650354"/>
-      </dsp:txXfrm>
-    </dsp:sp>
   </dsp:spTree>
 </dsp:drawing>
 </file>
@@ -8983,535 +7455,6 @@
       <dsp:cNvGrpSpPr/>
     </dsp:nvGrpSpPr>
     <dsp:grpSpPr/>
-    <dsp:sp modelId="{88AE35D3-685D-4FE5-8EB0-D9B325031255}">
-      <dsp:nvSpPr>
-        <dsp:cNvPr id="0" name=""/>
-        <dsp:cNvSpPr/>
-      </dsp:nvSpPr>
-      <dsp:spPr>
-        <a:xfrm>
-          <a:off x="0" y="291423"/>
-          <a:ext cx="8596312" cy="1167075"/>
-        </a:xfrm>
-        <a:prstGeom prst="rect">
-          <a:avLst/>
-        </a:prstGeom>
-        <a:solidFill>
-          <a:schemeClr val="lt1">
-            <a:alpha val="90000"/>
-            <a:hueOff val="0"/>
-            <a:satOff val="0"/>
-            <a:lumOff val="0"/>
-            <a:alphaOff val="0"/>
-          </a:schemeClr>
-        </a:solidFill>
-        <a:ln w="19050" cap="rnd" cmpd="sng" algn="ctr">
-          <a:solidFill>
-            <a:schemeClr val="accent1">
-              <a:hueOff val="0"/>
-              <a:satOff val="0"/>
-              <a:lumOff val="0"/>
-              <a:alphaOff val="0"/>
-            </a:schemeClr>
-          </a:solidFill>
-          <a:prstDash val="solid"/>
-        </a:ln>
-        <a:effectLst/>
-      </dsp:spPr>
-      <dsp:style>
-        <a:lnRef idx="2">
-          <a:scrgbClr r="0" g="0" b="0"/>
-        </a:lnRef>
-        <a:fillRef idx="1">
-          <a:scrgbClr r="0" g="0" b="0"/>
-        </a:fillRef>
-        <a:effectRef idx="0">
-          <a:scrgbClr r="0" g="0" b="0"/>
-        </a:effectRef>
-        <a:fontRef idx="minor"/>
-      </dsp:style>
-      <dsp:txBody>
-        <a:bodyPr spcFirstLastPara="0" vert="horz" wrap="square" lIns="667169" tIns="395732" rIns="667169" bIns="135128" numCol="1" spcCol="1270" anchor="t" anchorCtr="0">
-          <a:noAutofit/>
-        </a:bodyPr>
-        <a:lstStyle/>
-        <a:p>
-          <a:pPr marL="171450" lvl="1" indent="-171450" algn="l" defTabSz="844550">
-            <a:lnSpc>
-              <a:spcPct val="90000"/>
-            </a:lnSpc>
-            <a:spcBef>
-              <a:spcPct val="0"/>
-            </a:spcBef>
-            <a:spcAft>
-              <a:spcPct val="15000"/>
-            </a:spcAft>
-            <a:buChar char="••"/>
-          </a:pPr>
-          <a:r>
-            <a:rPr lang="zh-CN" altLang="en-US" sz="1900" kern="1200" dirty="0" smtClean="0"/>
-            <a:t>用于供编译器解析</a:t>
-          </a:r>
-          <a:r>
-            <a:rPr lang="en-US" altLang="zh-CN" sz="1900" kern="1200" dirty="0" smtClean="0"/>
-            <a:t>Angular</a:t>
-          </a:r>
-          <a:r>
-            <a:rPr lang="zh-CN" altLang="en-US" sz="1900" kern="1200" dirty="0" smtClean="0"/>
-            <a:t>指令</a:t>
-          </a:r>
-          <a:endParaRPr lang="zh-CN" altLang="en-US" sz="1900" kern="1200" dirty="0"/>
-        </a:p>
-        <a:p>
-          <a:pPr marL="171450" lvl="1" indent="-171450" algn="l" defTabSz="844550">
-            <a:lnSpc>
-              <a:spcPct val="90000"/>
-            </a:lnSpc>
-            <a:spcBef>
-              <a:spcPct val="0"/>
-            </a:spcBef>
-            <a:spcAft>
-              <a:spcPct val="15000"/>
-            </a:spcAft>
-            <a:buChar char="••"/>
-          </a:pPr>
-          <a:r>
-            <a:rPr lang="zh-CN" altLang="en-US" sz="1900" kern="1200" dirty="0" smtClean="0"/>
-            <a:t>改造当前节点，并关联上</a:t>
-          </a:r>
-          <a:r>
-            <a:rPr lang="en-US" altLang="zh-CN" sz="1900" kern="1200" dirty="0" smtClean="0"/>
-            <a:t>scope</a:t>
-          </a:r>
-          <a:r>
-            <a:rPr lang="zh-CN" altLang="en-US" sz="1900" kern="1200" dirty="0" smtClean="0"/>
-            <a:t>、</a:t>
-          </a:r>
-          <a:r>
-            <a:rPr lang="en-US" altLang="zh-CN" sz="1900" kern="1200" dirty="0" smtClean="0"/>
-            <a:t>link</a:t>
-          </a:r>
-          <a:r>
-            <a:rPr lang="zh-CN" altLang="en-US" sz="1900" kern="1200" dirty="0" smtClean="0"/>
-            <a:t>函数、</a:t>
-          </a:r>
-          <a:r>
-            <a:rPr lang="en-US" altLang="zh-CN" sz="1900" kern="1200" dirty="0" smtClean="0"/>
-            <a:t>controller</a:t>
-          </a:r>
-          <a:r>
-            <a:rPr lang="zh-CN" altLang="en-US" sz="1900" kern="1200" dirty="0" smtClean="0"/>
-            <a:t>等</a:t>
-          </a:r>
-          <a:endParaRPr lang="zh-CN" altLang="en-US" sz="1900" kern="1200" dirty="0"/>
-        </a:p>
-      </dsp:txBody>
-      <dsp:txXfrm>
-        <a:off x="0" y="291423"/>
-        <a:ext cx="8596312" cy="1167075"/>
-      </dsp:txXfrm>
-    </dsp:sp>
-    <dsp:sp modelId="{86539809-B96C-48A8-96C2-EBF5E0D5F78C}">
-      <dsp:nvSpPr>
-        <dsp:cNvPr id="0" name=""/>
-        <dsp:cNvSpPr/>
-      </dsp:nvSpPr>
-      <dsp:spPr>
-        <a:xfrm>
-          <a:off x="429815" y="10983"/>
-          <a:ext cx="6017418" cy="560880"/>
-        </a:xfrm>
-        <a:prstGeom prst="roundRect">
-          <a:avLst/>
-        </a:prstGeom>
-        <a:solidFill>
-          <a:schemeClr val="accent1">
-            <a:hueOff val="0"/>
-            <a:satOff val="0"/>
-            <a:lumOff val="0"/>
-            <a:alphaOff val="0"/>
-          </a:schemeClr>
-        </a:solidFill>
-        <a:ln w="19050" cap="rnd" cmpd="sng" algn="ctr">
-          <a:solidFill>
-            <a:schemeClr val="lt1">
-              <a:hueOff val="0"/>
-              <a:satOff val="0"/>
-              <a:lumOff val="0"/>
-              <a:alphaOff val="0"/>
-            </a:schemeClr>
-          </a:solidFill>
-          <a:prstDash val="solid"/>
-        </a:ln>
-        <a:effectLst/>
-      </dsp:spPr>
-      <dsp:style>
-        <a:lnRef idx="2">
-          <a:scrgbClr r="0" g="0" b="0"/>
-        </a:lnRef>
-        <a:fillRef idx="1">
-          <a:scrgbClr r="0" g="0" b="0"/>
-        </a:fillRef>
-        <a:effectRef idx="0">
-          <a:scrgbClr r="0" g="0" b="0"/>
-        </a:effectRef>
-        <a:fontRef idx="minor">
-          <a:schemeClr val="lt1"/>
-        </a:fontRef>
-      </dsp:style>
-      <dsp:txBody>
-        <a:bodyPr spcFirstLastPara="0" vert="horz" wrap="square" lIns="227444" tIns="0" rIns="227444" bIns="0" numCol="1" spcCol="1270" anchor="ctr" anchorCtr="0">
-          <a:noAutofit/>
-        </a:bodyPr>
-        <a:lstStyle/>
-        <a:p>
-          <a:pPr lvl="0" algn="l" defTabSz="844550">
-            <a:lnSpc>
-              <a:spcPct val="90000"/>
-            </a:lnSpc>
-            <a:spcBef>
-              <a:spcPct val="0"/>
-            </a:spcBef>
-            <a:spcAft>
-              <a:spcPct val="35000"/>
-            </a:spcAft>
-          </a:pPr>
-          <a:r>
-            <a:rPr lang="en-US" altLang="zh-CN" sz="1900" kern="1200" dirty="0" smtClean="0"/>
-            <a:t>Directive</a:t>
-          </a:r>
-          <a:endParaRPr lang="zh-CN" altLang="en-US" sz="1900" kern="1200" dirty="0"/>
-        </a:p>
-      </dsp:txBody>
-      <dsp:txXfrm>
-        <a:off x="457195" y="38363"/>
-        <a:ext cx="5962658" cy="506120"/>
-      </dsp:txXfrm>
-    </dsp:sp>
-    <dsp:sp modelId="{DD884A21-C89C-4595-B03B-23950D1BCA11}">
-      <dsp:nvSpPr>
-        <dsp:cNvPr id="0" name=""/>
-        <dsp:cNvSpPr/>
-      </dsp:nvSpPr>
-      <dsp:spPr>
-        <a:xfrm>
-          <a:off x="0" y="1841538"/>
-          <a:ext cx="8596312" cy="822937"/>
-        </a:xfrm>
-        <a:prstGeom prst="rect">
-          <a:avLst/>
-        </a:prstGeom>
-        <a:solidFill>
-          <a:schemeClr val="lt1">
-            <a:alpha val="90000"/>
-            <a:hueOff val="0"/>
-            <a:satOff val="0"/>
-            <a:lumOff val="0"/>
-            <a:alphaOff val="0"/>
-          </a:schemeClr>
-        </a:solidFill>
-        <a:ln w="19050" cap="rnd" cmpd="sng" algn="ctr">
-          <a:solidFill>
-            <a:schemeClr val="accent1">
-              <a:hueOff val="0"/>
-              <a:satOff val="0"/>
-              <a:lumOff val="0"/>
-              <a:alphaOff val="0"/>
-            </a:schemeClr>
-          </a:solidFill>
-          <a:prstDash val="solid"/>
-        </a:ln>
-        <a:effectLst/>
-      </dsp:spPr>
-      <dsp:style>
-        <a:lnRef idx="2">
-          <a:scrgbClr r="0" g="0" b="0"/>
-        </a:lnRef>
-        <a:fillRef idx="1">
-          <a:scrgbClr r="0" g="0" b="0"/>
-        </a:fillRef>
-        <a:effectRef idx="0">
-          <a:scrgbClr r="0" g="0" b="0"/>
-        </a:effectRef>
-        <a:fontRef idx="minor"/>
-      </dsp:style>
-      <dsp:txBody>
-        <a:bodyPr spcFirstLastPara="0" vert="horz" wrap="square" lIns="667169" tIns="395732" rIns="667169" bIns="135128" numCol="1" spcCol="1270" anchor="t" anchorCtr="0">
-          <a:noAutofit/>
-        </a:bodyPr>
-        <a:lstStyle/>
-        <a:p>
-          <a:pPr marL="171450" lvl="1" indent="-171450" algn="l" defTabSz="844550">
-            <a:lnSpc>
-              <a:spcPct val="90000"/>
-            </a:lnSpc>
-            <a:spcBef>
-              <a:spcPct val="0"/>
-            </a:spcBef>
-            <a:spcAft>
-              <a:spcPct val="15000"/>
-            </a:spcAft>
-            <a:buChar char="••"/>
-          </a:pPr>
-          <a:r>
-            <a:rPr lang="zh-CN" altLang="en-US" sz="1900" kern="1200" dirty="0" smtClean="0"/>
-            <a:t>用于对</a:t>
-          </a:r>
-          <a:r>
-            <a:rPr lang="en-US" altLang="zh-CN" sz="1900" kern="1200" dirty="0" smtClean="0"/>
-            <a:t>scope</a:t>
-          </a:r>
-          <a:r>
-            <a:rPr lang="zh-CN" altLang="en-US" sz="1900" kern="1200" dirty="0" smtClean="0"/>
-            <a:t>变量进行转换，比如格式化、过滤等</a:t>
-          </a:r>
-          <a:endParaRPr lang="zh-CN" altLang="en-US" sz="1900" kern="1200" dirty="0"/>
-        </a:p>
-      </dsp:txBody>
-      <dsp:txXfrm>
-        <a:off x="0" y="1841538"/>
-        <a:ext cx="8596312" cy="822937"/>
-      </dsp:txXfrm>
-    </dsp:sp>
-    <dsp:sp modelId="{502BAE31-FE30-4289-A884-6B4870848F81}">
-      <dsp:nvSpPr>
-        <dsp:cNvPr id="0" name=""/>
-        <dsp:cNvSpPr/>
-      </dsp:nvSpPr>
-      <dsp:spPr>
-        <a:xfrm>
-          <a:off x="429815" y="1561098"/>
-          <a:ext cx="6017418" cy="560880"/>
-        </a:xfrm>
-        <a:prstGeom prst="roundRect">
-          <a:avLst/>
-        </a:prstGeom>
-        <a:solidFill>
-          <a:schemeClr val="accent1">
-            <a:hueOff val="0"/>
-            <a:satOff val="0"/>
-            <a:lumOff val="0"/>
-            <a:alphaOff val="0"/>
-          </a:schemeClr>
-        </a:solidFill>
-        <a:ln w="19050" cap="rnd" cmpd="sng" algn="ctr">
-          <a:solidFill>
-            <a:schemeClr val="lt1">
-              <a:hueOff val="0"/>
-              <a:satOff val="0"/>
-              <a:lumOff val="0"/>
-              <a:alphaOff val="0"/>
-            </a:schemeClr>
-          </a:solidFill>
-          <a:prstDash val="solid"/>
-        </a:ln>
-        <a:effectLst/>
-      </dsp:spPr>
-      <dsp:style>
-        <a:lnRef idx="2">
-          <a:scrgbClr r="0" g="0" b="0"/>
-        </a:lnRef>
-        <a:fillRef idx="1">
-          <a:scrgbClr r="0" g="0" b="0"/>
-        </a:fillRef>
-        <a:effectRef idx="0">
-          <a:scrgbClr r="0" g="0" b="0"/>
-        </a:effectRef>
-        <a:fontRef idx="minor">
-          <a:schemeClr val="lt1"/>
-        </a:fontRef>
-      </dsp:style>
-      <dsp:txBody>
-        <a:bodyPr spcFirstLastPara="0" vert="horz" wrap="square" lIns="227444" tIns="0" rIns="227444" bIns="0" numCol="1" spcCol="1270" anchor="ctr" anchorCtr="0">
-          <a:noAutofit/>
-        </a:bodyPr>
-        <a:lstStyle/>
-        <a:p>
-          <a:pPr lvl="0" algn="l" defTabSz="844550">
-            <a:lnSpc>
-              <a:spcPct val="90000"/>
-            </a:lnSpc>
-            <a:spcBef>
-              <a:spcPct val="0"/>
-            </a:spcBef>
-            <a:spcAft>
-              <a:spcPct val="35000"/>
-            </a:spcAft>
-          </a:pPr>
-          <a:r>
-            <a:rPr lang="en-US" altLang="zh-CN" sz="1900" kern="1200" dirty="0" smtClean="0"/>
-            <a:t>Filter</a:t>
-          </a:r>
-          <a:endParaRPr lang="zh-CN" altLang="en-US" sz="1900" kern="1200" dirty="0"/>
-        </a:p>
-      </dsp:txBody>
-      <dsp:txXfrm>
-        <a:off x="457195" y="1588478"/>
-        <a:ext cx="5962658" cy="506120"/>
-      </dsp:txXfrm>
-    </dsp:sp>
-    <dsp:sp modelId="{B8593494-0233-48E7-BE54-BA2AB7A73D70}">
-      <dsp:nvSpPr>
-        <dsp:cNvPr id="0" name=""/>
-        <dsp:cNvSpPr/>
-      </dsp:nvSpPr>
-      <dsp:spPr>
-        <a:xfrm>
-          <a:off x="0" y="3047516"/>
-          <a:ext cx="8596312" cy="822937"/>
-        </a:xfrm>
-        <a:prstGeom prst="rect">
-          <a:avLst/>
-        </a:prstGeom>
-        <a:solidFill>
-          <a:schemeClr val="lt1">
-            <a:alpha val="90000"/>
-            <a:hueOff val="0"/>
-            <a:satOff val="0"/>
-            <a:lumOff val="0"/>
-            <a:alphaOff val="0"/>
-          </a:schemeClr>
-        </a:solidFill>
-        <a:ln w="19050" cap="rnd" cmpd="sng" algn="ctr">
-          <a:solidFill>
-            <a:schemeClr val="accent1">
-              <a:hueOff val="0"/>
-              <a:satOff val="0"/>
-              <a:lumOff val="0"/>
-              <a:alphaOff val="0"/>
-            </a:schemeClr>
-          </a:solidFill>
-          <a:prstDash val="solid"/>
-        </a:ln>
-        <a:effectLst/>
-      </dsp:spPr>
-      <dsp:style>
-        <a:lnRef idx="2">
-          <a:scrgbClr r="0" g="0" b="0"/>
-        </a:lnRef>
-        <a:fillRef idx="1">
-          <a:scrgbClr r="0" g="0" b="0"/>
-        </a:fillRef>
-        <a:effectRef idx="0">
-          <a:scrgbClr r="0" g="0" b="0"/>
-        </a:effectRef>
-        <a:fontRef idx="minor"/>
-      </dsp:style>
-      <dsp:txBody>
-        <a:bodyPr spcFirstLastPara="0" vert="horz" wrap="square" lIns="667169" tIns="395732" rIns="667169" bIns="135128" numCol="1" spcCol="1270" anchor="t" anchorCtr="0">
-          <a:noAutofit/>
-        </a:bodyPr>
-        <a:lstStyle/>
-        <a:p>
-          <a:pPr marL="171450" lvl="1" indent="-171450" algn="l" defTabSz="844550">
-            <a:lnSpc>
-              <a:spcPct val="90000"/>
-            </a:lnSpc>
-            <a:spcBef>
-              <a:spcPct val="0"/>
-            </a:spcBef>
-            <a:spcAft>
-              <a:spcPct val="15000"/>
-            </a:spcAft>
-            <a:buChar char="••"/>
-          </a:pPr>
-          <a:r>
-            <a:rPr lang="zh-CN" altLang="en-US" sz="1900" kern="1200" dirty="0" smtClean="0"/>
-            <a:t>用于对</a:t>
-          </a:r>
-          <a:r>
-            <a:rPr lang="en-US" altLang="zh-CN" sz="1900" kern="1200" dirty="0" smtClean="0"/>
-            <a:t>{{}}</a:t>
-          </a:r>
-          <a:r>
-            <a:rPr lang="zh-CN" altLang="en-US" sz="1900" kern="1200" dirty="0" smtClean="0"/>
-            <a:t>表达式进行解释，可配置首尾标识</a:t>
-          </a:r>
-          <a:endParaRPr lang="zh-CN" altLang="en-US" sz="1900" kern="1200" dirty="0"/>
-        </a:p>
-      </dsp:txBody>
-      <dsp:txXfrm>
-        <a:off x="0" y="3047516"/>
-        <a:ext cx="8596312" cy="822937"/>
-      </dsp:txXfrm>
-    </dsp:sp>
-    <dsp:sp modelId="{39E7FEAE-564D-4CD5-B4EF-61F85E72211B}">
-      <dsp:nvSpPr>
-        <dsp:cNvPr id="0" name=""/>
-        <dsp:cNvSpPr/>
-      </dsp:nvSpPr>
-      <dsp:spPr>
-        <a:xfrm>
-          <a:off x="429815" y="2767076"/>
-          <a:ext cx="6017418" cy="560880"/>
-        </a:xfrm>
-        <a:prstGeom prst="roundRect">
-          <a:avLst/>
-        </a:prstGeom>
-        <a:solidFill>
-          <a:schemeClr val="accent1">
-            <a:hueOff val="0"/>
-            <a:satOff val="0"/>
-            <a:lumOff val="0"/>
-            <a:alphaOff val="0"/>
-          </a:schemeClr>
-        </a:solidFill>
-        <a:ln w="19050" cap="rnd" cmpd="sng" algn="ctr">
-          <a:solidFill>
-            <a:schemeClr val="lt1">
-              <a:hueOff val="0"/>
-              <a:satOff val="0"/>
-              <a:lumOff val="0"/>
-              <a:alphaOff val="0"/>
-            </a:schemeClr>
-          </a:solidFill>
-          <a:prstDash val="solid"/>
-        </a:ln>
-        <a:effectLst/>
-      </dsp:spPr>
-      <dsp:style>
-        <a:lnRef idx="2">
-          <a:scrgbClr r="0" g="0" b="0"/>
-        </a:lnRef>
-        <a:fillRef idx="1">
-          <a:scrgbClr r="0" g="0" b="0"/>
-        </a:fillRef>
-        <a:effectRef idx="0">
-          <a:scrgbClr r="0" g="0" b="0"/>
-        </a:effectRef>
-        <a:fontRef idx="minor">
-          <a:schemeClr val="lt1"/>
-        </a:fontRef>
-      </dsp:style>
-      <dsp:txBody>
-        <a:bodyPr spcFirstLastPara="0" vert="horz" wrap="square" lIns="227444" tIns="0" rIns="227444" bIns="0" numCol="1" spcCol="1270" anchor="ctr" anchorCtr="0">
-          <a:noAutofit/>
-        </a:bodyPr>
-        <a:lstStyle/>
-        <a:p>
-          <a:pPr lvl="0" algn="l" defTabSz="844550">
-            <a:lnSpc>
-              <a:spcPct val="90000"/>
-            </a:lnSpc>
-            <a:spcBef>
-              <a:spcPct val="0"/>
-            </a:spcBef>
-            <a:spcAft>
-              <a:spcPct val="35000"/>
-            </a:spcAft>
-          </a:pPr>
-          <a:r>
-            <a:rPr lang="en-US" altLang="zh-CN" sz="1900" kern="1200" dirty="0" smtClean="0"/>
-            <a:t>Interpolate</a:t>
-          </a:r>
-          <a:endParaRPr lang="zh-CN" altLang="en-US" sz="1900" kern="1200" dirty="0"/>
-        </a:p>
-      </dsp:txBody>
-      <dsp:txXfrm>
-        <a:off x="457195" y="2794456"/>
-        <a:ext cx="5962658" cy="506120"/>
-      </dsp:txXfrm>
-    </dsp:sp>
   </dsp:spTree>
 </dsp:drawing>
 </file>
@@ -10202,15 +8145,7 @@
           </a:pPr>
           <a:r>
             <a:rPr lang="zh-CN" altLang="en-US" sz="1800" kern="1200" dirty="0" smtClean="0"/>
-            <a:t>不内置</a:t>
-          </a:r>
-          <a:r>
-            <a:rPr lang="en-US" altLang="zh-CN" sz="1800" kern="1200" dirty="0" smtClean="0"/>
-            <a:t>UI</a:t>
-          </a:r>
-          <a:r>
-            <a:rPr lang="zh-CN" altLang="en-US" sz="1800" kern="1200" dirty="0" smtClean="0"/>
-            <a:t>库</a:t>
+            <a:t>高内聚、功能单一的内置指令，无限组合</a:t>
           </a:r>
           <a:endParaRPr lang="zh-CN" altLang="en-US" sz="1800" kern="1200" dirty="0"/>
         </a:p>
@@ -22204,7 +20139,7 @@
             <a:fld id="{B61BEF0D-F0BB-DE4B-95CE-6DB70DBA9567}" type="datetimeFigureOut">
               <a:rPr lang="en-US" dirty="0"/>
               <a:pPr/>
-              <a:t>5/23/2014</a:t>
+              <a:t>5/28/2014</a:t>
             </a:fld>
             <a:endParaRPr lang="en-US" dirty="0"/>
           </a:p>
@@ -22452,7 +20387,7 @@
             <a:fld id="{B61BEF0D-F0BB-DE4B-95CE-6DB70DBA9567}" type="datetimeFigureOut">
               <a:rPr lang="en-US" dirty="0"/>
               <a:pPr/>
-              <a:t>5/23/2014</a:t>
+              <a:t>5/28/2014</a:t>
             </a:fld>
             <a:endParaRPr lang="en-US" dirty="0"/>
           </a:p>
@@ -22763,7 +20698,7 @@
             <a:fld id="{B61BEF0D-F0BB-DE4B-95CE-6DB70DBA9567}" type="datetimeFigureOut">
               <a:rPr lang="en-US" dirty="0"/>
               <a:pPr/>
-              <a:t>5/23/2014</a:t>
+              <a:t>5/28/2014</a:t>
             </a:fld>
             <a:endParaRPr lang="en-US" dirty="0"/>
           </a:p>
@@ -23101,7 +21036,7 @@
             <a:fld id="{B61BEF0D-F0BB-DE4B-95CE-6DB70DBA9567}" type="datetimeFigureOut">
               <a:rPr lang="en-US" dirty="0"/>
               <a:pPr/>
-              <a:t>5/23/2014</a:t>
+              <a:t>5/28/2014</a:t>
             </a:fld>
             <a:endParaRPr lang="en-US" dirty="0"/>
           </a:p>
@@ -23412,7 +21347,7 @@
             <a:fld id="{B61BEF0D-F0BB-DE4B-95CE-6DB70DBA9567}" type="datetimeFigureOut">
               <a:rPr lang="en-US" dirty="0"/>
               <a:pPr/>
-              <a:t>5/23/2014</a:t>
+              <a:t>5/28/2014</a:t>
             </a:fld>
             <a:endParaRPr lang="en-US" dirty="0"/>
           </a:p>
@@ -23802,7 +21737,7 @@
             <a:fld id="{B61BEF0D-F0BB-DE4B-95CE-6DB70DBA9567}" type="datetimeFigureOut">
               <a:rPr lang="en-US" dirty="0"/>
               <a:pPr/>
-              <a:t>5/23/2014</a:t>
+              <a:t>5/28/2014</a:t>
             </a:fld>
             <a:endParaRPr lang="en-US" dirty="0"/>
           </a:p>
@@ -23968,7 +21903,7 @@
           <a:p>
             <a:fld id="{55C6B4A9-1611-4792-9094-5F34BCA07E0B}" type="datetimeFigureOut">
               <a:rPr lang="en-US" dirty="0"/>
-              <a:t>5/23/2014</a:t>
+              <a:t>5/28/2014</a:t>
             </a:fld>
             <a:endParaRPr lang="en-US" dirty="0"/>
           </a:p>
@@ -24144,7 +22079,7 @@
             <a:fld id="{B61BEF0D-F0BB-DE4B-95CE-6DB70DBA9567}" type="datetimeFigureOut">
               <a:rPr lang="en-US" dirty="0"/>
               <a:pPr/>
-              <a:t>5/23/2014</a:t>
+              <a:t>5/28/2014</a:t>
             </a:fld>
             <a:endParaRPr lang="en-US" dirty="0"/>
           </a:p>
@@ -24317,7 +22252,7 @@
             <a:fld id="{B61BEF0D-F0BB-DE4B-95CE-6DB70DBA9567}" type="datetimeFigureOut">
               <a:rPr lang="en-US" dirty="0"/>
               <a:pPr/>
-              <a:t>5/23/2014</a:t>
+              <a:t>5/28/2014</a:t>
             </a:fld>
             <a:endParaRPr lang="en-US" dirty="0"/>
           </a:p>
@@ -24561,7 +22496,7 @@
             <a:fld id="{B61BEF0D-F0BB-DE4B-95CE-6DB70DBA9567}" type="datetimeFigureOut">
               <a:rPr lang="en-US" dirty="0"/>
               <a:pPr/>
-              <a:t>5/23/2014</a:t>
+              <a:t>5/28/2014</a:t>
             </a:fld>
             <a:endParaRPr lang="en-US" dirty="0"/>
           </a:p>
@@ -24789,7 +22724,7 @@
           <a:p>
             <a:fld id="{EB712588-04B1-427B-82EE-E8DB90309F08}" type="datetimeFigureOut">
               <a:rPr lang="en-US" dirty="0"/>
-              <a:t>5/23/2014</a:t>
+              <a:t>5/28/2014</a:t>
             </a:fld>
             <a:endParaRPr lang="en-US" dirty="0"/>
           </a:p>
@@ -25159,7 +23094,7 @@
             <a:fld id="{B61BEF0D-F0BB-DE4B-95CE-6DB70DBA9567}" type="datetimeFigureOut">
               <a:rPr lang="en-US" dirty="0"/>
               <a:pPr/>
-              <a:t>5/23/2014</a:t>
+              <a:t>5/28/2014</a:t>
             </a:fld>
             <a:endParaRPr lang="en-US" dirty="0"/>
           </a:p>
@@ -25279,7 +23214,7 @@
             <a:fld id="{B61BEF0D-F0BB-DE4B-95CE-6DB70DBA9567}" type="datetimeFigureOut">
               <a:rPr lang="en-US" dirty="0"/>
               <a:pPr/>
-              <a:t>5/23/2014</a:t>
+              <a:t>5/28/2014</a:t>
             </a:fld>
             <a:endParaRPr lang="en-US" dirty="0"/>
           </a:p>
@@ -25371,7 +23306,7 @@
             <a:fld id="{B61BEF0D-F0BB-DE4B-95CE-6DB70DBA9567}" type="datetimeFigureOut">
               <a:rPr lang="en-US" dirty="0"/>
               <a:pPr/>
-              <a:t>5/23/2014</a:t>
+              <a:t>5/28/2014</a:t>
             </a:fld>
             <a:endParaRPr lang="en-US" dirty="0"/>
           </a:p>
@@ -25622,7 +23557,7 @@
           <a:p>
             <a:fld id="{42A54C80-263E-416B-A8E0-580EDEADCBDC}" type="datetimeFigureOut">
               <a:rPr lang="en-US" dirty="0"/>
-              <a:t>5/23/2014</a:t>
+              <a:t>5/28/2014</a:t>
             </a:fld>
             <a:endParaRPr lang="en-US" dirty="0"/>
           </a:p>
@@ -25881,7 +23816,7 @@
             <a:fld id="{B61BEF0D-F0BB-DE4B-95CE-6DB70DBA9567}" type="datetimeFigureOut">
               <a:rPr lang="en-US" dirty="0"/>
               <a:pPr/>
-              <a:t>5/23/2014</a:t>
+              <a:t>5/28/2014</a:t>
             </a:fld>
             <a:endParaRPr lang="en-US" dirty="0"/>
           </a:p>
@@ -26621,7 +24556,7 @@
             <a:fld id="{B61BEF0D-F0BB-DE4B-95CE-6DB70DBA9567}" type="datetimeFigureOut">
               <a:rPr lang="en-US" dirty="0"/>
               <a:pPr/>
-              <a:t>5/23/2014</a:t>
+              <a:t>5/28/2014</a:t>
             </a:fld>
             <a:endParaRPr lang="en-US" dirty="0"/>
           </a:p>
@@ -27344,7 +25279,7 @@
             <p:ph idx="1"/>
             <p:extLst>
               <p:ext uri="{D42A27DB-BD31-4B8C-83A1-F6EECF244321}">
-                <p14:modId xmlns:p14="http://schemas.microsoft.com/office/powerpoint/2010/main" val="1946201899"/>
+                <p14:modId xmlns:p14="http://schemas.microsoft.com/office/powerpoint/2010/main" val="2170171587"/>
               </p:ext>
             </p:extLst>
           </p:nvPr>
@@ -27915,11 +25850,7 @@
                       </a:r>
                       <a:r>
                         <a:rPr lang="zh-CN" altLang="en-US" dirty="0" smtClean="0"/>
-                        <a:t>原</a:t>
-                      </a:r>
-                      <a:r>
-                        <a:rPr lang="zh-CN" altLang="en-US" dirty="0" smtClean="0"/>
-                        <a:t>生</a:t>
+                        <a:t>原生</a:t>
                       </a:r>
                       <a:r>
                         <a:rPr lang="en-US" altLang="zh-CN" dirty="0" smtClean="0"/>
@@ -27927,11 +25858,7 @@
                       </a:r>
                       <a:r>
                         <a:rPr lang="zh-CN" altLang="en-US" dirty="0" smtClean="0"/>
-                        <a:t>一起</a:t>
-                      </a:r>
-                      <a:r>
-                        <a:rPr lang="zh-CN" altLang="en-US" dirty="0" smtClean="0"/>
-                        <a:t>组成</a:t>
+                        <a:t>一起组成</a:t>
                       </a:r>
                       <a:r>
                         <a:rPr lang="en-US" altLang="zh-CN" dirty="0" smtClean="0"/>
@@ -27983,11 +25910,7 @@
                       </a:r>
                       <a:r>
                         <a:rPr lang="zh-CN" altLang="en-US" dirty="0" smtClean="0"/>
-                        <a:t>），可以完成数据过滤、格式转换等功能。可以</a:t>
-                      </a:r>
-                      <a:r>
-                        <a:rPr lang="zh-CN" altLang="en-US" dirty="0" smtClean="0"/>
-                        <a:t>像</a:t>
+                        <a:t>），可以完成数据过滤、格式转换等功能。可以像</a:t>
                       </a:r>
                       <a:r>
                         <a:rPr lang="en-US" altLang="zh-CN" dirty="0" smtClean="0"/>
@@ -27995,11 +25918,7 @@
                       </a:r>
                       <a:r>
                         <a:rPr lang="zh-CN" altLang="en-US" dirty="0" smtClean="0"/>
-                        <a:t>管道</a:t>
-                      </a:r>
-                      <a:r>
-                        <a:rPr lang="zh-CN" altLang="en-US" dirty="0" smtClean="0"/>
-                        <a:t>那样串联起来</a:t>
+                        <a:t>管道那样串联起来</a:t>
                       </a:r>
                       <a:endParaRPr lang="zh-CN" altLang="en-US" dirty="0"/>
                     </a:p>
@@ -28719,11 +26638,7 @@
           <a:p>
             <a:r>
               <a:rPr lang="zh-CN" altLang="en-US" dirty="0" smtClean="0"/>
-              <a:t>工作</a:t>
-            </a:r>
-            <a:r>
-              <a:rPr lang="zh-CN" altLang="en-US" dirty="0" smtClean="0"/>
-              <a:t>原理实例分析</a:t>
+              <a:t>工作原理实例分析</a:t>
             </a:r>
             <a:endParaRPr lang="zh-CN" altLang="en-US" dirty="0"/>
           </a:p>
